--- a/Presentations/IdealMHD_ch5.pptx
+++ b/Presentations/IdealMHD_ch5.pptx
@@ -13,12 +13,6 @@
     <p:sldId id="262" r:id="rId7"/>
     <p:sldId id="263" r:id="rId8"/>
     <p:sldId id="264" r:id="rId9"/>
-    <p:sldId id="265" r:id="rId10"/>
-    <p:sldId id="272" r:id="rId11"/>
-    <p:sldId id="273" r:id="rId12"/>
-    <p:sldId id="266" r:id="rId13"/>
-    <p:sldId id="267" r:id="rId14"/>
-    <p:sldId id="268" r:id="rId15"/>
   </p:sldIdLst>
   <p:sldSz cx="12192000" cy="6858000"/>
   <p:notesSz cx="6858000" cy="9144000"/>
@@ -3362,7 +3356,7 @@
           <a:p>
             <a:r>
               <a:rPr lang="en-US" dirty="0"/>
-              <a:t>Ideal MHD Ch. 4</a:t>
+              <a:t>Ideal MHD Ch. 5</a:t>
             </a:r>
           </a:p>
         </p:txBody>
@@ -3399,951 +3393,6 @@
     <p:extLst>
       <p:ext uri="{BB962C8B-B14F-4D97-AF65-F5344CB8AC3E}">
         <p14:creationId xmlns:p14="http://schemas.microsoft.com/office/powerpoint/2010/main" val="1841334200"/>
-      </p:ext>
-    </p:extLst>
-  </p:cSld>
-  <p:clrMapOvr>
-    <a:masterClrMapping/>
-  </p:clrMapOvr>
-</p:sld>
-</file>
-
-<file path=ppt/slides/slide10.xml><?xml version="1.0" encoding="utf-8"?>
-<p:sld xmlns:a="http://schemas.openxmlformats.org/drawingml/2006/main" xmlns:r="http://schemas.openxmlformats.org/officeDocument/2006/relationships" xmlns:p="http://schemas.openxmlformats.org/presentationml/2006/main">
-  <p:cSld>
-    <p:spTree>
-      <p:nvGrpSpPr>
-        <p:cNvPr id="1" name=""/>
-        <p:cNvGrpSpPr/>
-        <p:nvPr/>
-      </p:nvGrpSpPr>
-      <p:grpSpPr>
-        <a:xfrm>
-          <a:off x="0" y="0"/>
-          <a:ext cx="0" cy="0"/>
-          <a:chOff x="0" y="0"/>
-          <a:chExt cx="0" cy="0"/>
-        </a:xfrm>
-      </p:grpSpPr>
-      <p:sp>
-        <p:nvSpPr>
-          <p:cNvPr id="2" name="Title 1">
-            <a:extLst>
-              <a:ext uri="{FF2B5EF4-FFF2-40B4-BE49-F238E27FC236}">
-                <a16:creationId xmlns:a16="http://schemas.microsoft.com/office/drawing/2014/main" id="{E2A4E2C8-4F3D-F24D-8B03-C612C2F6C370}"/>
-              </a:ext>
-            </a:extLst>
-          </p:cNvPr>
-          <p:cNvSpPr>
-            <a:spLocks noGrp="1"/>
-          </p:cNvSpPr>
-          <p:nvPr>
-            <p:ph type="title"/>
-          </p:nvPr>
-        </p:nvSpPr>
-        <p:spPr/>
-        <p:txBody>
-          <a:bodyPr/>
-          <a:lstStyle/>
-          <a:p>
-            <a:r>
-              <a:rPr lang="en-US" dirty="0"/>
-              <a:t>4.6.3 Kink Safety Factor</a:t>
-            </a:r>
-          </a:p>
-        </p:txBody>
-      </p:sp>
-      <mc:AlternateContent xmlns:mc="http://schemas.openxmlformats.org/markup-compatibility/2006" xmlns:a14="http://schemas.microsoft.com/office/drawing/2010/main">
-        <mc:Choice Requires="a14">
-          <p:sp>
-            <p:nvSpPr>
-              <p:cNvPr id="3" name="Content Placeholder 2">
-                <a:extLst>
-                  <a:ext uri="{FF2B5EF4-FFF2-40B4-BE49-F238E27FC236}">
-                    <a16:creationId xmlns:a16="http://schemas.microsoft.com/office/drawing/2014/main" id="{E70FA648-B2E1-944A-BEA9-7CD086D68012}"/>
-                  </a:ext>
-                </a:extLst>
-              </p:cNvPr>
-              <p:cNvSpPr>
-                <a:spLocks noGrp="1"/>
-              </p:cNvSpPr>
-              <p:nvPr>
-                <p:ph idx="1"/>
-              </p:nvPr>
-            </p:nvSpPr>
-            <p:spPr/>
-            <p:txBody>
-              <a:bodyPr/>
-              <a:lstStyle/>
-              <a:p>
-                <a14:m>
-                  <m:oMath xmlns:m="http://schemas.openxmlformats.org/officeDocument/2006/math">
-                    <m:sSub>
-                      <m:sSubPr>
-                        <m:ctrlPr>
-                          <a:rPr lang="en-US" b="0" i="1" smtClean="0">
-                            <a:latin typeface="Cambria Math" panose="02040503050406030204" pitchFamily="18" charset="0"/>
-                          </a:rPr>
-                        </m:ctrlPr>
-                      </m:sSubPr>
-                      <m:e>
-                        <m:r>
-                          <a:rPr lang="en-US" b="0" i="1" smtClean="0">
-                            <a:latin typeface="Cambria Math" panose="02040503050406030204" pitchFamily="18" charset="0"/>
-                          </a:rPr>
-                          <m:t>𝑞</m:t>
-                        </m:r>
-                      </m:e>
-                      <m:sub>
-                        <m:r>
-                          <a:rPr lang="en-US" b="0" i="1" smtClean="0">
-                            <a:latin typeface="Cambria Math" panose="02040503050406030204" pitchFamily="18" charset="0"/>
-                          </a:rPr>
-                          <m:t>∗</m:t>
-                        </m:r>
-                      </m:sub>
-                    </m:sSub>
-                    <m:r>
-                      <a:rPr lang="en-US" b="0" i="1" smtClean="0">
-                        <a:latin typeface="Cambria Math" panose="02040503050406030204" pitchFamily="18" charset="0"/>
-                      </a:rPr>
-                      <m:t>=</m:t>
-                    </m:r>
-                    <m:f>
-                      <m:fPr>
-                        <m:ctrlPr>
-                          <a:rPr lang="en-US" b="0" i="1" smtClean="0">
-                            <a:latin typeface="Cambria Math" panose="02040503050406030204" pitchFamily="18" charset="0"/>
-                          </a:rPr>
-                        </m:ctrlPr>
-                      </m:fPr>
-                      <m:num>
-                        <m:r>
-                          <a:rPr lang="en-US" b="0" i="1" smtClean="0">
-                            <a:latin typeface="Cambria Math" panose="02040503050406030204" pitchFamily="18" charset="0"/>
-                          </a:rPr>
-                          <m:t>2</m:t>
-                        </m:r>
-                        <m:r>
-                          <a:rPr lang="en-US" b="0" i="1" smtClean="0">
-                            <a:latin typeface="Cambria Math" panose="02040503050406030204" pitchFamily="18" charset="0"/>
-                          </a:rPr>
-                          <m:t>𝜋</m:t>
-                        </m:r>
-                        <m:sSup>
-                          <m:sSupPr>
-                            <m:ctrlPr>
-                              <a:rPr lang="en-US" b="0" i="1" smtClean="0">
-                                <a:latin typeface="Cambria Math" panose="02040503050406030204" pitchFamily="18" charset="0"/>
-                              </a:rPr>
-                            </m:ctrlPr>
-                          </m:sSupPr>
-                          <m:e>
-                            <m:r>
-                              <a:rPr lang="en-US" b="0" i="1" smtClean="0">
-                                <a:latin typeface="Cambria Math" panose="02040503050406030204" pitchFamily="18" charset="0"/>
-                              </a:rPr>
-                              <m:t>𝑎</m:t>
-                            </m:r>
-                          </m:e>
-                          <m:sup>
-                            <m:r>
-                              <a:rPr lang="en-US" b="0" i="1" smtClean="0">
-                                <a:latin typeface="Cambria Math" panose="02040503050406030204" pitchFamily="18" charset="0"/>
-                              </a:rPr>
-                              <m:t>2</m:t>
-                            </m:r>
-                          </m:sup>
-                        </m:sSup>
-                        <m:sSub>
-                          <m:sSubPr>
-                            <m:ctrlPr>
-                              <a:rPr lang="en-US" b="0" i="1" smtClean="0">
-                                <a:latin typeface="Cambria Math" panose="02040503050406030204" pitchFamily="18" charset="0"/>
-                              </a:rPr>
-                            </m:ctrlPr>
-                          </m:sSubPr>
-                          <m:e>
-                            <m:r>
-                              <a:rPr lang="en-US" b="0" i="1" smtClean="0">
-                                <a:latin typeface="Cambria Math" panose="02040503050406030204" pitchFamily="18" charset="0"/>
-                              </a:rPr>
-                              <m:t>𝐵</m:t>
-                            </m:r>
-                          </m:e>
-                          <m:sub>
-                            <m:r>
-                              <a:rPr lang="en-US" b="0" i="1" smtClean="0">
-                                <a:latin typeface="Cambria Math" panose="02040503050406030204" pitchFamily="18" charset="0"/>
-                              </a:rPr>
-                              <m:t>0</m:t>
-                            </m:r>
-                          </m:sub>
-                        </m:sSub>
-                      </m:num>
-                      <m:den>
-                        <m:sSub>
-                          <m:sSubPr>
-                            <m:ctrlPr>
-                              <a:rPr lang="en-US" b="0" i="1" smtClean="0">
-                                <a:latin typeface="Cambria Math" panose="02040503050406030204" pitchFamily="18" charset="0"/>
-                              </a:rPr>
-                            </m:ctrlPr>
-                          </m:sSubPr>
-                          <m:e>
-                            <m:r>
-                              <a:rPr lang="en-US" b="0" i="1" smtClean="0">
-                                <a:latin typeface="Cambria Math" panose="02040503050406030204" pitchFamily="18" charset="0"/>
-                              </a:rPr>
-                              <m:t>𝜇</m:t>
-                            </m:r>
-                          </m:e>
-                          <m:sub>
-                            <m:r>
-                              <a:rPr lang="en-US" b="0" i="1" smtClean="0">
-                                <a:latin typeface="Cambria Math" panose="02040503050406030204" pitchFamily="18" charset="0"/>
-                              </a:rPr>
-                              <m:t>0</m:t>
-                            </m:r>
-                          </m:sub>
-                        </m:sSub>
-                        <m:r>
-                          <a:rPr lang="en-US" b="0" i="1" smtClean="0">
-                            <a:latin typeface="Cambria Math" panose="02040503050406030204" pitchFamily="18" charset="0"/>
-                          </a:rPr>
-                          <m:t>𝐼</m:t>
-                        </m:r>
-                        <m:sSub>
-                          <m:sSubPr>
-                            <m:ctrlPr>
-                              <a:rPr lang="en-US" b="0" i="1" smtClean="0">
-                                <a:latin typeface="Cambria Math" panose="02040503050406030204" pitchFamily="18" charset="0"/>
-                              </a:rPr>
-                            </m:ctrlPr>
-                          </m:sSubPr>
-                          <m:e>
-                            <m:r>
-                              <a:rPr lang="en-US" b="0" i="1" smtClean="0">
-                                <a:latin typeface="Cambria Math" panose="02040503050406030204" pitchFamily="18" charset="0"/>
-                              </a:rPr>
-                              <m:t>𝑅</m:t>
-                            </m:r>
-                          </m:e>
-                          <m:sub>
-                            <m:r>
-                              <a:rPr lang="en-US" b="0" i="1" smtClean="0">
-                                <a:latin typeface="Cambria Math" panose="02040503050406030204" pitchFamily="18" charset="0"/>
-                              </a:rPr>
-                              <m:t>0</m:t>
-                            </m:r>
-                          </m:sub>
-                        </m:sSub>
-                      </m:den>
-                    </m:f>
-                    <m:r>
-                      <a:rPr lang="en-US" b="0" i="1" smtClean="0">
-                        <a:latin typeface="Cambria Math" panose="02040503050406030204" pitchFamily="18" charset="0"/>
-                      </a:rPr>
-                      <m:t>(</m:t>
-                    </m:r>
-                    <m:f>
-                      <m:fPr>
-                        <m:ctrlPr>
-                          <a:rPr lang="en-US" b="0" i="1" smtClean="0">
-                            <a:latin typeface="Cambria Math" panose="02040503050406030204" pitchFamily="18" charset="0"/>
-                          </a:rPr>
-                        </m:ctrlPr>
-                      </m:fPr>
-                      <m:num>
-                        <m:r>
-                          <a:rPr lang="en-US" b="0" i="1" smtClean="0">
-                            <a:latin typeface="Cambria Math" panose="02040503050406030204" pitchFamily="18" charset="0"/>
-                          </a:rPr>
-                          <m:t>1+</m:t>
-                        </m:r>
-                        <m:sSup>
-                          <m:sSupPr>
-                            <m:ctrlPr>
-                              <a:rPr lang="en-US" b="0" i="1" smtClean="0">
-                                <a:latin typeface="Cambria Math" panose="02040503050406030204" pitchFamily="18" charset="0"/>
-                              </a:rPr>
-                            </m:ctrlPr>
-                          </m:sSupPr>
-                          <m:e>
-                            <m:r>
-                              <a:rPr lang="en-US" b="0" i="1" smtClean="0">
-                                <a:latin typeface="Cambria Math" panose="02040503050406030204" pitchFamily="18" charset="0"/>
-                              </a:rPr>
-                              <m:t>𝜅</m:t>
-                            </m:r>
-                          </m:e>
-                          <m:sup>
-                            <m:r>
-                              <a:rPr lang="en-US" b="0" i="1" smtClean="0">
-                                <a:latin typeface="Cambria Math" panose="02040503050406030204" pitchFamily="18" charset="0"/>
-                              </a:rPr>
-                              <m:t>2</m:t>
-                            </m:r>
-                          </m:sup>
-                        </m:sSup>
-                      </m:num>
-                      <m:den>
-                        <m:r>
-                          <a:rPr lang="en-US" b="0" i="1" smtClean="0">
-                            <a:latin typeface="Cambria Math" panose="02040503050406030204" pitchFamily="18" charset="0"/>
-                          </a:rPr>
-                          <m:t>2</m:t>
-                        </m:r>
-                      </m:den>
-                    </m:f>
-                    <m:r>
-                      <a:rPr lang="en-US" b="0" i="1" smtClean="0">
-                        <a:latin typeface="Cambria Math" panose="02040503050406030204" pitchFamily="18" charset="0"/>
-                      </a:rPr>
-                      <m:t>)</m:t>
-                    </m:r>
-                  </m:oMath>
-                </a14:m>
-                <a:endParaRPr lang="en-US" dirty="0"/>
-              </a:p>
-            </p:txBody>
-          </p:sp>
-        </mc:Choice>
-        <mc:Fallback xmlns="">
-          <p:sp>
-            <p:nvSpPr>
-              <p:cNvPr id="3" name="Content Placeholder 2">
-                <a:extLst>
-                  <a:ext uri="{FF2B5EF4-FFF2-40B4-BE49-F238E27FC236}">
-                    <a16:creationId xmlns:a16="http://schemas.microsoft.com/office/drawing/2014/main" id="{E70FA648-B2E1-944A-BEA9-7CD086D68012}"/>
-                  </a:ext>
-                </a:extLst>
-              </p:cNvPr>
-              <p:cNvSpPr>
-                <a:spLocks noGrp="1" noRot="1" noChangeAspect="1" noMove="1" noResize="1" noEditPoints="1" noAdjustHandles="1" noChangeArrowheads="1" noChangeShapeType="1" noTextEdit="1"/>
-              </p:cNvSpPr>
-              <p:nvPr>
-                <p:ph idx="1"/>
-              </p:nvPr>
-            </p:nvSpPr>
-            <p:spPr>
-              <a:blipFill>
-                <a:blip r:embed="rId2"/>
-                <a:stretch>
-                  <a:fillRect l="-1086"/>
-                </a:stretch>
-              </a:blipFill>
-            </p:spPr>
-            <p:txBody>
-              <a:bodyPr/>
-              <a:lstStyle/>
-              <a:p>
-                <a:r>
-                  <a:rPr lang="en-US">
-                    <a:noFill/>
-                  </a:rPr>
-                  <a:t> </a:t>
-                </a:r>
-              </a:p>
-            </p:txBody>
-          </p:sp>
-        </mc:Fallback>
-      </mc:AlternateContent>
-    </p:spTree>
-    <p:extLst>
-      <p:ext uri="{BB962C8B-B14F-4D97-AF65-F5344CB8AC3E}">
-        <p14:creationId xmlns:p14="http://schemas.microsoft.com/office/powerpoint/2010/main" val="2384024444"/>
-      </p:ext>
-    </p:extLst>
-  </p:cSld>
-  <p:clrMapOvr>
-    <a:masterClrMapping/>
-  </p:clrMapOvr>
-</p:sld>
-</file>
-
-<file path=ppt/slides/slide11.xml><?xml version="1.0" encoding="utf-8"?>
-<p:sld xmlns:a="http://schemas.openxmlformats.org/drawingml/2006/main" xmlns:r="http://schemas.openxmlformats.org/officeDocument/2006/relationships" xmlns:p="http://schemas.openxmlformats.org/presentationml/2006/main">
-  <p:cSld>
-    <p:spTree>
-      <p:nvGrpSpPr>
-        <p:cNvPr id="1" name=""/>
-        <p:cNvGrpSpPr/>
-        <p:nvPr/>
-      </p:nvGrpSpPr>
-      <p:grpSpPr>
-        <a:xfrm>
-          <a:off x="0" y="0"/>
-          <a:ext cx="0" cy="0"/>
-          <a:chOff x="0" y="0"/>
-          <a:chExt cx="0" cy="0"/>
-        </a:xfrm>
-      </p:grpSpPr>
-      <mc:AlternateContent xmlns:mc="http://schemas.openxmlformats.org/markup-compatibility/2006" xmlns:a14="http://schemas.microsoft.com/office/drawing/2010/main">
-        <mc:Choice Requires="a14">
-          <p:sp>
-            <p:nvSpPr>
-              <p:cNvPr id="2" name="Title 1">
-                <a:extLst>
-                  <a:ext uri="{FF2B5EF4-FFF2-40B4-BE49-F238E27FC236}">
-                    <a16:creationId xmlns:a16="http://schemas.microsoft.com/office/drawing/2014/main" id="{E09A0425-534B-CE4F-9007-2634787AAC93}"/>
-                  </a:ext>
-                </a:extLst>
-              </p:cNvPr>
-              <p:cNvSpPr>
-                <a:spLocks noGrp="1"/>
-              </p:cNvSpPr>
-              <p:nvPr>
-                <p:ph type="title"/>
-              </p:nvPr>
-            </p:nvSpPr>
-            <p:spPr/>
-            <p:txBody>
-              <a:bodyPr/>
-              <a:lstStyle/>
-              <a:p>
-                <a:r>
-                  <a:rPr lang="en-US" dirty="0"/>
-                  <a:t>Rotational Transform and </a:t>
-                </a:r>
-                <a14:m>
-                  <m:oMath xmlns:m="http://schemas.openxmlformats.org/officeDocument/2006/math">
-                    <m:r>
-                      <a:rPr lang="en-US" b="0" i="1" smtClean="0">
-                        <a:latin typeface="Cambria Math" panose="02040503050406030204" pitchFamily="18" charset="0"/>
-                      </a:rPr>
-                      <m:t>𝜄</m:t>
-                    </m:r>
-                  </m:oMath>
-                </a14:m>
-                <a:r>
-                  <a:rPr lang="en-US" dirty="0"/>
-                  <a:t>, and the MHD Safety Factor</a:t>
-                </a:r>
-              </a:p>
-            </p:txBody>
-          </p:sp>
-        </mc:Choice>
-        <mc:Fallback xmlns="">
-          <p:sp>
-            <p:nvSpPr>
-              <p:cNvPr id="2" name="Title 1">
-                <a:extLst>
-                  <a:ext uri="{FF2B5EF4-FFF2-40B4-BE49-F238E27FC236}">
-                    <a16:creationId xmlns:a16="http://schemas.microsoft.com/office/drawing/2014/main" id="{E09A0425-534B-CE4F-9007-2634787AAC93}"/>
-                  </a:ext>
-                </a:extLst>
-              </p:cNvPr>
-              <p:cNvSpPr>
-                <a:spLocks noGrp="1" noRot="1" noChangeAspect="1" noMove="1" noResize="1" noEditPoints="1" noAdjustHandles="1" noChangeArrowheads="1" noChangeShapeType="1" noTextEdit="1"/>
-              </p:cNvSpPr>
-              <p:nvPr>
-                <p:ph type="title"/>
-              </p:nvPr>
-            </p:nvSpPr>
-            <p:spPr>
-              <a:blipFill>
-                <a:blip r:embed="rId2"/>
-                <a:stretch>
-                  <a:fillRect l="-2413" t="-13333" b="-21905"/>
-                </a:stretch>
-              </a:blipFill>
-            </p:spPr>
-            <p:txBody>
-              <a:bodyPr/>
-              <a:lstStyle/>
-              <a:p>
-                <a:r>
-                  <a:rPr lang="en-US">
-                    <a:noFill/>
-                  </a:rPr>
-                  <a:t> </a:t>
-                </a:r>
-              </a:p>
-            </p:txBody>
-          </p:sp>
-        </mc:Fallback>
-      </mc:AlternateContent>
-      <mc:AlternateContent xmlns:mc="http://schemas.openxmlformats.org/markup-compatibility/2006" xmlns:a14="http://schemas.microsoft.com/office/drawing/2010/main">
-        <mc:Choice Requires="a14">
-          <p:sp>
-            <p:nvSpPr>
-              <p:cNvPr id="3" name="Content Placeholder 2">
-                <a:extLst>
-                  <a:ext uri="{FF2B5EF4-FFF2-40B4-BE49-F238E27FC236}">
-                    <a16:creationId xmlns:a16="http://schemas.microsoft.com/office/drawing/2014/main" id="{175228BE-E477-6248-A89B-C3C71A876F1E}"/>
-                  </a:ext>
-                </a:extLst>
-              </p:cNvPr>
-              <p:cNvSpPr>
-                <a:spLocks noGrp="1"/>
-              </p:cNvSpPr>
-              <p:nvPr>
-                <p:ph idx="1"/>
-              </p:nvPr>
-            </p:nvSpPr>
-            <p:spPr/>
-            <p:txBody>
-              <a:bodyPr/>
-              <a:lstStyle/>
-              <a:p>
-                <a14:m>
-                  <m:oMath xmlns:m="http://schemas.openxmlformats.org/officeDocument/2006/math">
-                    <m:r>
-                      <a:rPr lang="en-US" b="0" i="1" smtClean="0">
-                        <a:latin typeface="Cambria Math" panose="02040503050406030204" pitchFamily="18" charset="0"/>
-                      </a:rPr>
-                      <m:t>𝑞</m:t>
-                    </m:r>
-                    <m:r>
-                      <a:rPr lang="en-US" b="0" i="1" smtClean="0">
-                        <a:latin typeface="Cambria Math" panose="02040503050406030204" pitchFamily="18" charset="0"/>
-                      </a:rPr>
-                      <m:t>=</m:t>
-                    </m:r>
-                    <m:f>
-                      <m:fPr>
-                        <m:ctrlPr>
-                          <a:rPr lang="en-US" b="0" i="1" smtClean="0">
-                            <a:latin typeface="Cambria Math" panose="02040503050406030204" pitchFamily="18" charset="0"/>
-                          </a:rPr>
-                        </m:ctrlPr>
-                      </m:fPr>
-                      <m:num>
-                        <m:r>
-                          <a:rPr lang="en-US" b="0" i="1" smtClean="0">
-                            <a:latin typeface="Cambria Math" panose="02040503050406030204" pitchFamily="18" charset="0"/>
-                          </a:rPr>
-                          <m:t>2</m:t>
-                        </m:r>
-                        <m:r>
-                          <a:rPr lang="en-US" b="0" i="1" smtClean="0">
-                            <a:latin typeface="Cambria Math" panose="02040503050406030204" pitchFamily="18" charset="0"/>
-                          </a:rPr>
-                          <m:t>𝜋</m:t>
-                        </m:r>
-                      </m:num>
-                      <m:den>
-                        <m:r>
-                          <a:rPr lang="en-US" b="0" i="1" smtClean="0">
-                            <a:latin typeface="Cambria Math" panose="02040503050406030204" pitchFamily="18" charset="0"/>
-                          </a:rPr>
-                          <m:t>𝜄</m:t>
-                        </m:r>
-                      </m:den>
-                    </m:f>
-                  </m:oMath>
-                </a14:m>
-                <a:endParaRPr lang="en-US" b="0" dirty="0"/>
-              </a:p>
-              <a:p>
-                <a:endParaRPr lang="en-US" dirty="0"/>
-              </a:p>
-            </p:txBody>
-          </p:sp>
-        </mc:Choice>
-        <mc:Fallback xmlns="">
-          <p:sp>
-            <p:nvSpPr>
-              <p:cNvPr id="3" name="Content Placeholder 2">
-                <a:extLst>
-                  <a:ext uri="{FF2B5EF4-FFF2-40B4-BE49-F238E27FC236}">
-                    <a16:creationId xmlns:a16="http://schemas.microsoft.com/office/drawing/2014/main" id="{175228BE-E477-6248-A89B-C3C71A876F1E}"/>
-                  </a:ext>
-                </a:extLst>
-              </p:cNvPr>
-              <p:cNvSpPr>
-                <a:spLocks noGrp="1" noRot="1" noChangeAspect="1" noMove="1" noResize="1" noEditPoints="1" noAdjustHandles="1" noChangeArrowheads="1" noChangeShapeType="1" noTextEdit="1"/>
-              </p:cNvSpPr>
-              <p:nvPr>
-                <p:ph idx="1"/>
-              </p:nvPr>
-            </p:nvSpPr>
-            <p:spPr>
-              <a:blipFill>
-                <a:blip r:embed="rId3"/>
-                <a:stretch>
-                  <a:fillRect l="-1086"/>
-                </a:stretch>
-              </a:blipFill>
-            </p:spPr>
-            <p:txBody>
-              <a:bodyPr/>
-              <a:lstStyle/>
-              <a:p>
-                <a:r>
-                  <a:rPr lang="en-US">
-                    <a:noFill/>
-                  </a:rPr>
-                  <a:t> </a:t>
-                </a:r>
-              </a:p>
-            </p:txBody>
-          </p:sp>
-        </mc:Fallback>
-      </mc:AlternateContent>
-    </p:spTree>
-    <p:extLst>
-      <p:ext uri="{BB962C8B-B14F-4D97-AF65-F5344CB8AC3E}">
-        <p14:creationId xmlns:p14="http://schemas.microsoft.com/office/powerpoint/2010/main" val="1329717363"/>
-      </p:ext>
-    </p:extLst>
-  </p:cSld>
-  <p:clrMapOvr>
-    <a:masterClrMapping/>
-  </p:clrMapOvr>
-</p:sld>
-</file>
-
-<file path=ppt/slides/slide12.xml><?xml version="1.0" encoding="utf-8"?>
-<p:sld xmlns:a="http://schemas.openxmlformats.org/drawingml/2006/main" xmlns:r="http://schemas.openxmlformats.org/officeDocument/2006/relationships" xmlns:p="http://schemas.openxmlformats.org/presentationml/2006/main">
-  <p:cSld>
-    <p:spTree>
-      <p:nvGrpSpPr>
-        <p:cNvPr id="1" name=""/>
-        <p:cNvGrpSpPr/>
-        <p:nvPr/>
-      </p:nvGrpSpPr>
-      <p:grpSpPr>
-        <a:xfrm>
-          <a:off x="0" y="0"/>
-          <a:ext cx="0" cy="0"/>
-          <a:chOff x="0" y="0"/>
-          <a:chExt cx="0" cy="0"/>
-        </a:xfrm>
-      </p:grpSpPr>
-      <p:sp>
-        <p:nvSpPr>
-          <p:cNvPr id="2" name="Title 1">
-            <a:extLst>
-              <a:ext uri="{FF2B5EF4-FFF2-40B4-BE49-F238E27FC236}">
-                <a16:creationId xmlns:a16="http://schemas.microsoft.com/office/drawing/2014/main" id="{45942917-B128-184C-8256-FA4D726D410E}"/>
-              </a:ext>
-            </a:extLst>
-          </p:cNvPr>
-          <p:cNvSpPr>
-            <a:spLocks noGrp="1"/>
-          </p:cNvSpPr>
-          <p:nvPr>
-            <p:ph type="title"/>
-          </p:nvPr>
-        </p:nvSpPr>
-        <p:spPr/>
-        <p:txBody>
-          <a:bodyPr/>
-          <a:lstStyle/>
-          <a:p>
-            <a:r>
-              <a:rPr lang="en-US" dirty="0"/>
-              <a:t>4.7 Equilibrium Degrees of Freedom</a:t>
-            </a:r>
-          </a:p>
-        </p:txBody>
-      </p:sp>
-      <p:sp>
-        <p:nvSpPr>
-          <p:cNvPr id="3" name="Content Placeholder 2">
-            <a:extLst>
-              <a:ext uri="{FF2B5EF4-FFF2-40B4-BE49-F238E27FC236}">
-                <a16:creationId xmlns:a16="http://schemas.microsoft.com/office/drawing/2014/main" id="{A19A6061-FDDF-7C4E-9C5B-255FD389B4F7}"/>
-              </a:ext>
-            </a:extLst>
-          </p:cNvPr>
-          <p:cNvSpPr>
-            <a:spLocks noGrp="1"/>
-          </p:cNvSpPr>
-          <p:nvPr>
-            <p:ph idx="1"/>
-          </p:nvPr>
-        </p:nvSpPr>
-        <p:spPr/>
-        <p:txBody>
-          <a:bodyPr/>
-          <a:lstStyle/>
-          <a:p>
-            <a:r>
-              <a:rPr lang="en-US" dirty="0"/>
-              <a:t>We get two related free functions</a:t>
-            </a:r>
-          </a:p>
-          <a:p>
-            <a:pPr marL="0" indent="0">
-              <a:buNone/>
-            </a:pPr>
-            <a:endParaRPr lang="en-US" dirty="0"/>
-          </a:p>
-        </p:txBody>
-      </p:sp>
-    </p:spTree>
-    <p:extLst>
-      <p:ext uri="{BB962C8B-B14F-4D97-AF65-F5344CB8AC3E}">
-        <p14:creationId xmlns:p14="http://schemas.microsoft.com/office/powerpoint/2010/main" val="3524898207"/>
-      </p:ext>
-    </p:extLst>
-  </p:cSld>
-  <p:clrMapOvr>
-    <a:masterClrMapping/>
-  </p:clrMapOvr>
-</p:sld>
-</file>
-
-<file path=ppt/slides/slide13.xml><?xml version="1.0" encoding="utf-8"?>
-<p:sld xmlns:a="http://schemas.openxmlformats.org/drawingml/2006/main" xmlns:r="http://schemas.openxmlformats.org/officeDocument/2006/relationships" xmlns:p="http://schemas.openxmlformats.org/presentationml/2006/main">
-  <p:cSld>
-    <p:spTree>
-      <p:nvGrpSpPr>
-        <p:cNvPr id="1" name=""/>
-        <p:cNvGrpSpPr/>
-        <p:nvPr/>
-      </p:nvGrpSpPr>
-      <p:grpSpPr>
-        <a:xfrm>
-          <a:off x="0" y="0"/>
-          <a:ext cx="0" cy="0"/>
-          <a:chOff x="0" y="0"/>
-          <a:chExt cx="0" cy="0"/>
-        </a:xfrm>
-      </p:grpSpPr>
-      <p:sp>
-        <p:nvSpPr>
-          <p:cNvPr id="2" name="Title 1">
-            <a:extLst>
-              <a:ext uri="{FF2B5EF4-FFF2-40B4-BE49-F238E27FC236}">
-                <a16:creationId xmlns:a16="http://schemas.microsoft.com/office/drawing/2014/main" id="{FEE1848A-E7E8-6C4F-B3DB-8D9118258887}"/>
-              </a:ext>
-            </a:extLst>
-          </p:cNvPr>
-          <p:cNvSpPr>
-            <a:spLocks noGrp="1"/>
-          </p:cNvSpPr>
-          <p:nvPr>
-            <p:ph type="title"/>
-          </p:nvPr>
-        </p:nvSpPr>
-        <p:spPr/>
-        <p:txBody>
-          <a:bodyPr/>
-          <a:lstStyle/>
-          <a:p>
-            <a:r>
-              <a:rPr lang="en-US" dirty="0"/>
-              <a:t>4.8/4.9 The Basic problem of Toroidal Equilibrium</a:t>
-            </a:r>
-          </a:p>
-        </p:txBody>
-      </p:sp>
-      <mc:AlternateContent xmlns:mc="http://schemas.openxmlformats.org/markup-compatibility/2006" xmlns:a14="http://schemas.microsoft.com/office/drawing/2010/main">
-        <mc:Choice Requires="a14">
-          <p:sp>
-            <p:nvSpPr>
-              <p:cNvPr id="3" name="Content Placeholder 2">
-                <a:extLst>
-                  <a:ext uri="{FF2B5EF4-FFF2-40B4-BE49-F238E27FC236}">
-                    <a16:creationId xmlns:a16="http://schemas.microsoft.com/office/drawing/2014/main" id="{1EFCCB4E-FD5B-CF4C-96A8-EEFF7748F773}"/>
-                  </a:ext>
-                </a:extLst>
-              </p:cNvPr>
-              <p:cNvSpPr>
-                <a:spLocks noGrp="1"/>
-              </p:cNvSpPr>
-              <p:nvPr>
-                <p:ph idx="1"/>
-              </p:nvPr>
-            </p:nvSpPr>
-            <p:spPr/>
-            <p:txBody>
-              <a:bodyPr/>
-              <a:lstStyle/>
-              <a:p>
-                <a14:m>
-                  <m:oMath xmlns:m="http://schemas.openxmlformats.org/officeDocument/2006/math">
-                    <m:f>
-                      <m:fPr>
-                        <m:ctrlPr>
-                          <a:rPr lang="en-US" b="0" i="1" dirty="0" smtClean="0">
-                            <a:latin typeface="Cambria Math" panose="02040503050406030204" pitchFamily="18" charset="0"/>
-                          </a:rPr>
-                        </m:ctrlPr>
-                      </m:fPr>
-                      <m:num>
-                        <m:r>
-                          <a:rPr lang="en-US" b="0" i="1" dirty="0" smtClean="0">
-                            <a:latin typeface="Cambria Math" panose="02040503050406030204" pitchFamily="18" charset="0"/>
-                          </a:rPr>
-                          <m:t>1</m:t>
-                        </m:r>
-                      </m:num>
-                      <m:den>
-                        <m:r>
-                          <a:rPr lang="en-US" b="0" i="1" dirty="0" smtClean="0">
-                            <a:latin typeface="Cambria Math" panose="02040503050406030204" pitchFamily="18" charset="0"/>
-                          </a:rPr>
-                          <m:t>𝑅</m:t>
-                        </m:r>
-                      </m:den>
-                    </m:f>
-                  </m:oMath>
-                </a14:m>
-                <a:r>
-                  <a:rPr lang="en-US" dirty="0"/>
-                  <a:t> Field and curvature leads to hoop force, </a:t>
-                </a:r>
-                <a:r>
-                  <a:rPr lang="en-US" dirty="0" err="1"/>
-                  <a:t>gradB</a:t>
-                </a:r>
-                <a:r>
-                  <a:rPr lang="en-US" dirty="0"/>
-                  <a:t>, </a:t>
-                </a:r>
-                <a:r>
-                  <a:rPr lang="en-US" dirty="0" err="1"/>
-                  <a:t>EcrossB</a:t>
-                </a:r>
-                <a:r>
-                  <a:rPr lang="en-US" dirty="0"/>
-                  <a:t>, forces</a:t>
-                </a:r>
-              </a:p>
-              <a:p>
-                <a:r>
-                  <a:rPr lang="en-US" dirty="0"/>
-                  <a:t>We need a combination of toroidal and magnetic fields</a:t>
-                </a:r>
-              </a:p>
-            </p:txBody>
-          </p:sp>
-        </mc:Choice>
-        <mc:Fallback xmlns="">
-          <p:sp>
-            <p:nvSpPr>
-              <p:cNvPr id="3" name="Content Placeholder 2">
-                <a:extLst>
-                  <a:ext uri="{FF2B5EF4-FFF2-40B4-BE49-F238E27FC236}">
-                    <a16:creationId xmlns:a16="http://schemas.microsoft.com/office/drawing/2014/main" id="{1EFCCB4E-FD5B-CF4C-96A8-EEFF7748F773}"/>
-                  </a:ext>
-                </a:extLst>
-              </p:cNvPr>
-              <p:cNvSpPr>
-                <a:spLocks noGrp="1" noRot="1" noChangeAspect="1" noMove="1" noResize="1" noEditPoints="1" noAdjustHandles="1" noChangeArrowheads="1" noChangeShapeType="1" noTextEdit="1"/>
-              </p:cNvSpPr>
-              <p:nvPr>
-                <p:ph idx="1"/>
-              </p:nvPr>
-            </p:nvSpPr>
-            <p:spPr>
-              <a:blipFill>
-                <a:blip r:embed="rId2"/>
-                <a:stretch>
-                  <a:fillRect l="-1086" t="-291"/>
-                </a:stretch>
-              </a:blipFill>
-            </p:spPr>
-            <p:txBody>
-              <a:bodyPr/>
-              <a:lstStyle/>
-              <a:p>
-                <a:r>
-                  <a:rPr lang="en-US">
-                    <a:noFill/>
-                  </a:rPr>
-                  <a:t> </a:t>
-                </a:r>
-              </a:p>
-            </p:txBody>
-          </p:sp>
-        </mc:Fallback>
-      </mc:AlternateContent>
-    </p:spTree>
-    <p:extLst>
-      <p:ext uri="{BB962C8B-B14F-4D97-AF65-F5344CB8AC3E}">
-        <p14:creationId xmlns:p14="http://schemas.microsoft.com/office/powerpoint/2010/main" val="1902278301"/>
-      </p:ext>
-    </p:extLst>
-  </p:cSld>
-  <p:clrMapOvr>
-    <a:masterClrMapping/>
-  </p:clrMapOvr>
-</p:sld>
-</file>
-
-<file path=ppt/slides/slide14.xml><?xml version="1.0" encoding="utf-8"?>
-<p:sld xmlns:a="http://schemas.openxmlformats.org/drawingml/2006/main" xmlns:r="http://schemas.openxmlformats.org/officeDocument/2006/relationships" xmlns:p="http://schemas.openxmlformats.org/presentationml/2006/main">
-  <p:cSld>
-    <p:spTree>
-      <p:nvGrpSpPr>
-        <p:cNvPr id="1" name=""/>
-        <p:cNvGrpSpPr/>
-        <p:nvPr/>
-      </p:nvGrpSpPr>
-      <p:grpSpPr>
-        <a:xfrm>
-          <a:off x="0" y="0"/>
-          <a:ext cx="0" cy="0"/>
-          <a:chOff x="0" y="0"/>
-          <a:chExt cx="0" cy="0"/>
-        </a:xfrm>
-      </p:grpSpPr>
-      <p:sp>
-        <p:nvSpPr>
-          <p:cNvPr id="2" name="Title 1">
-            <a:extLst>
-              <a:ext uri="{FF2B5EF4-FFF2-40B4-BE49-F238E27FC236}">
-                <a16:creationId xmlns:a16="http://schemas.microsoft.com/office/drawing/2014/main" id="{7B598C93-123A-3440-A014-F39978A7C52A}"/>
-              </a:ext>
-            </a:extLst>
-          </p:cNvPr>
-          <p:cNvSpPr>
-            <a:spLocks noGrp="1"/>
-          </p:cNvSpPr>
-          <p:nvPr>
-            <p:ph type="title"/>
-          </p:nvPr>
-        </p:nvSpPr>
-        <p:spPr/>
-        <p:txBody>
-          <a:bodyPr/>
-          <a:lstStyle/>
-          <a:p>
-            <a:r>
-              <a:rPr lang="en-US" dirty="0"/>
-              <a:t>4.10 Summary</a:t>
-            </a:r>
-          </a:p>
-        </p:txBody>
-      </p:sp>
-      <p:sp>
-        <p:nvSpPr>
-          <p:cNvPr id="3" name="Content Placeholder 2">
-            <a:extLst>
-              <a:ext uri="{FF2B5EF4-FFF2-40B4-BE49-F238E27FC236}">
-                <a16:creationId xmlns:a16="http://schemas.microsoft.com/office/drawing/2014/main" id="{2E5688E9-456C-AC4F-87CA-0667EDFDF1FF}"/>
-              </a:ext>
-            </a:extLst>
-          </p:cNvPr>
-          <p:cNvSpPr>
-            <a:spLocks noGrp="1"/>
-          </p:cNvSpPr>
-          <p:nvPr>
-            <p:ph idx="1"/>
-          </p:nvPr>
-        </p:nvSpPr>
-        <p:spPr/>
-        <p:txBody>
-          <a:bodyPr/>
-          <a:lstStyle/>
-          <a:p>
-            <a:pPr marL="0" indent="0">
-              <a:buNone/>
-            </a:pPr>
-            <a:endParaRPr lang="en-US" dirty="0"/>
-          </a:p>
-        </p:txBody>
-      </p:sp>
-    </p:spTree>
-    <p:extLst>
-      <p:ext uri="{BB962C8B-B14F-4D97-AF65-F5344CB8AC3E}">
-        <p14:creationId xmlns:p14="http://schemas.microsoft.com/office/powerpoint/2010/main" val="1038384042"/>
       </p:ext>
     </p:extLst>
   </p:cSld>
@@ -4393,7 +3442,7 @@
           <a:p>
             <a:r>
               <a:rPr lang="en-US" dirty="0"/>
-              <a:t>Ch. 4 MHD Equilibrium: General Considerations</a:t>
+              <a:t>Ch. 5 Equilibrium: One-Dimensional  Configurations</a:t>
             </a:r>
           </a:p>
         </p:txBody>
@@ -4476,7 +3525,7 @@
           <a:p>
             <a:r>
               <a:rPr lang="en-US" dirty="0"/>
-              <a:t>4.1 Introduction</a:t>
+              <a:t>5.1 Introduction</a:t>
             </a:r>
           </a:p>
         </p:txBody>
@@ -4569,36 +3618,96 @@
           <a:chExt cx="0" cy="0"/>
         </a:xfrm>
       </p:grpSpPr>
-      <p:sp>
-        <p:nvSpPr>
-          <p:cNvPr id="2" name="Title 1">
-            <a:extLst>
-              <a:ext uri="{FF2B5EF4-FFF2-40B4-BE49-F238E27FC236}">
-                <a16:creationId xmlns:a16="http://schemas.microsoft.com/office/drawing/2014/main" id="{37287EDA-4D38-EA4B-BBB3-D17F62802D7F}"/>
-              </a:ext>
-            </a:extLst>
-          </p:cNvPr>
-          <p:cNvSpPr>
-            <a:spLocks noGrp="1"/>
-          </p:cNvSpPr>
-          <p:nvPr>
-            <p:ph type="title"/>
-          </p:nvPr>
-        </p:nvSpPr>
-        <p:spPr/>
-        <p:txBody>
-          <a:bodyPr/>
-          <a:lstStyle/>
-          <a:p>
-            <a:r>
-              <a:rPr lang="en-US" dirty="0"/>
-              <a:t>4.2 Basic Equilibrium Equations</a:t>
-            </a:r>
-          </a:p>
-        </p:txBody>
-      </p:sp>
-      <mc:AlternateContent xmlns:mc="http://schemas.openxmlformats.org/markup-compatibility/2006" xmlns:a14="http://schemas.microsoft.com/office/drawing/2010/main">
-        <mc:Choice Requires="a14">
+      <mc:AlternateContent xmlns:mc="http://schemas.openxmlformats.org/markup-compatibility/2006">
+        <mc:Choice xmlns:a14="http://schemas.microsoft.com/office/drawing/2010/main" Requires="a14">
+          <p:sp>
+            <p:nvSpPr>
+              <p:cNvPr id="2" name="Title 1">
+                <a:extLst>
+                  <a:ext uri="{FF2B5EF4-FFF2-40B4-BE49-F238E27FC236}">
+                    <a16:creationId xmlns:a16="http://schemas.microsoft.com/office/drawing/2014/main" id="{37287EDA-4D38-EA4B-BBB3-D17F62802D7F}"/>
+                  </a:ext>
+                </a:extLst>
+              </p:cNvPr>
+              <p:cNvSpPr>
+                <a:spLocks noGrp="1"/>
+              </p:cNvSpPr>
+              <p:nvPr>
+                <p:ph type="title"/>
+              </p:nvPr>
+            </p:nvSpPr>
+            <p:spPr/>
+            <p:txBody>
+              <a:bodyPr/>
+              <a:lstStyle/>
+              <a:p>
+                <a:r>
+                  <a:rPr lang="en-US" dirty="0"/>
+                  <a:t>5.2 The </a:t>
+                </a:r>
+                <a14:m>
+                  <m:oMath xmlns:m="http://schemas.openxmlformats.org/officeDocument/2006/math">
+                    <m:r>
+                      <m:rPr>
+                        <m:sty m:val="p"/>
+                      </m:rPr>
+                      <a:rPr lang="en-US" b="0" i="0" smtClean="0">
+                        <a:latin typeface="Cambria Math" panose="02040503050406030204" pitchFamily="18" charset="0"/>
+                      </a:rPr>
+                      <m:t>Θ</m:t>
+                    </m:r>
+                  </m:oMath>
+                </a14:m>
+                <a:r>
+                  <a:rPr lang="en-US" dirty="0"/>
+                  <a:t>-pinch</a:t>
+                </a:r>
+              </a:p>
+            </p:txBody>
+          </p:sp>
+        </mc:Choice>
+        <mc:Fallback>
+          <p:sp>
+            <p:nvSpPr>
+              <p:cNvPr id="2" name="Title 1">
+                <a:extLst>
+                  <a:ext uri="{FF2B5EF4-FFF2-40B4-BE49-F238E27FC236}">
+                    <a16:creationId xmlns:a16="http://schemas.microsoft.com/office/drawing/2014/main" id="{37287EDA-4D38-EA4B-BBB3-D17F62802D7F}"/>
+                  </a:ext>
+                </a:extLst>
+              </p:cNvPr>
+              <p:cNvSpPr>
+                <a:spLocks noGrp="1" noRot="1" noChangeAspect="1" noMove="1" noResize="1" noEditPoints="1" noAdjustHandles="1" noChangeArrowheads="1" noChangeShapeType="1" noTextEdit="1"/>
+              </p:cNvSpPr>
+              <p:nvPr>
+                <p:ph type="title"/>
+              </p:nvPr>
+            </p:nvSpPr>
+            <p:spPr>
+              <a:blipFill>
+                <a:blip r:embed="rId2"/>
+                <a:stretch>
+                  <a:fillRect l="-2413"/>
+                </a:stretch>
+              </a:blipFill>
+            </p:spPr>
+            <p:txBody>
+              <a:bodyPr/>
+              <a:lstStyle/>
+              <a:p>
+                <a:r>
+                  <a:rPr lang="en-US">
+                    <a:noFill/>
+                  </a:rPr>
+                  <a:t> </a:t>
+                </a:r>
+              </a:p>
+            </p:txBody>
+          </p:sp>
+        </mc:Fallback>
+      </mc:AlternateContent>
+      <mc:AlternateContent xmlns:mc="http://schemas.openxmlformats.org/markup-compatibility/2006">
+        <mc:Choice xmlns:a14="http://schemas.microsoft.com/office/drawing/2010/main" Requires="a14">
           <p:sp>
             <p:nvSpPr>
               <p:cNvPr id="3" name="Content Placeholder 2">
@@ -4620,115 +3729,28 @@
               <a:bodyPr/>
               <a:lstStyle/>
               <a:p>
+                <a:r>
+                  <a:rPr lang="en-US" b="0" i="0" dirty="0">
+                    <a:latin typeface="Cambria Math" panose="02040503050406030204" pitchFamily="18" charset="0"/>
+                  </a:rPr>
+                  <a:t>All J in </a:t>
+                </a:r>
                 <a14:m>
                   <m:oMath xmlns:m="http://schemas.openxmlformats.org/officeDocument/2006/math">
                     <m:r>
                       <a:rPr lang="en-US" b="0" i="1" smtClean="0">
                         <a:latin typeface="Cambria Math" panose="02040503050406030204" pitchFamily="18" charset="0"/>
                       </a:rPr>
-                      <m:t>𝐽</m:t>
-                    </m:r>
-                    <m:r>
-                      <a:rPr lang="en-US" b="0" i="1" smtClean="0">
-                        <a:latin typeface="Cambria Math" panose="02040503050406030204" pitchFamily="18" charset="0"/>
-                      </a:rPr>
-                      <m:t> ×</m:t>
-                    </m:r>
-                    <m:r>
-                      <a:rPr lang="en-US" b="0" i="1" smtClean="0">
-                        <a:latin typeface="Cambria Math" panose="02040503050406030204" pitchFamily="18" charset="0"/>
-                      </a:rPr>
-                      <m:t>𝐵</m:t>
-                    </m:r>
-                    <m:r>
-                      <a:rPr lang="en-US" b="0" i="1" smtClean="0">
-                        <a:latin typeface="Cambria Math" panose="02040503050406030204" pitchFamily="18" charset="0"/>
-                      </a:rPr>
-                      <m:t>=</m:t>
-                    </m:r>
-                    <m:r>
-                      <m:rPr>
-                        <m:sty m:val="p"/>
-                      </m:rPr>
-                      <a:rPr lang="en-US" b="0" i="0" smtClean="0">
-                        <a:latin typeface="Cambria Math" panose="02040503050406030204" pitchFamily="18" charset="0"/>
-                      </a:rPr>
-                      <m:t>∇</m:t>
-                    </m:r>
-                    <m:r>
-                      <a:rPr lang="en-US" b="0" i="1" smtClean="0">
-                        <a:latin typeface="Cambria Math" panose="02040503050406030204" pitchFamily="18" charset="0"/>
-                      </a:rPr>
-                      <m:t>𝑃</m:t>
+                      <m:t>𝜃</m:t>
                     </m:r>
                   </m:oMath>
                 </a14:m>
-                <a:endParaRPr lang="en-US" b="0" dirty="0"/>
-              </a:p>
-              <a:p>
-                <a14:m>
-                  <m:oMath xmlns:m="http://schemas.openxmlformats.org/officeDocument/2006/math">
-                    <m:r>
-                      <m:rPr>
-                        <m:sty m:val="p"/>
-                      </m:rPr>
-                      <a:rPr lang="en-US" b="0" i="0" smtClean="0">
-                        <a:latin typeface="Cambria Math" panose="02040503050406030204" pitchFamily="18" charset="0"/>
-                      </a:rPr>
-                      <m:t>∇</m:t>
-                    </m:r>
-                    <m:r>
-                      <a:rPr lang="en-US" b="0" i="1" smtClean="0">
-                        <a:latin typeface="Cambria Math" panose="02040503050406030204" pitchFamily="18" charset="0"/>
-                      </a:rPr>
-                      <m:t>×</m:t>
-                    </m:r>
-                    <m:r>
-                      <a:rPr lang="en-US" b="0" i="1" smtClean="0">
-                        <a:latin typeface="Cambria Math" panose="02040503050406030204" pitchFamily="18" charset="0"/>
-                      </a:rPr>
-                      <m:t>𝐵</m:t>
-                    </m:r>
-                    <m:r>
-                      <a:rPr lang="en-US" b="0" i="1" smtClean="0">
-                        <a:latin typeface="Cambria Math" panose="02040503050406030204" pitchFamily="18" charset="0"/>
-                      </a:rPr>
-                      <m:t>=</m:t>
-                    </m:r>
-                    <m:sSub>
-                      <m:sSubPr>
-                        <m:ctrlPr>
-                          <a:rPr lang="en-US" b="0" i="1" smtClean="0">
-                            <a:latin typeface="Cambria Math" panose="02040503050406030204" pitchFamily="18" charset="0"/>
-                          </a:rPr>
-                        </m:ctrlPr>
-                      </m:sSubPr>
-                      <m:e>
-                        <m:r>
-                          <a:rPr lang="en-US" b="0" i="1" smtClean="0">
-                            <a:latin typeface="Cambria Math" panose="02040503050406030204" pitchFamily="18" charset="0"/>
-                          </a:rPr>
-                          <m:t>𝜇</m:t>
-                        </m:r>
-                      </m:e>
-                      <m:sub>
-                        <m:r>
-                          <a:rPr lang="en-US" b="0" i="1" smtClean="0">
-                            <a:latin typeface="Cambria Math" panose="02040503050406030204" pitchFamily="18" charset="0"/>
-                          </a:rPr>
-                          <m:t>0</m:t>
-                        </m:r>
-                      </m:sub>
-                    </m:sSub>
-                    <m:r>
-                      <a:rPr lang="en-US" b="0" i="1" smtClean="0">
-                        <a:latin typeface="Cambria Math" panose="02040503050406030204" pitchFamily="18" charset="0"/>
-                      </a:rPr>
-                      <m:t>𝐽</m:t>
-                    </m:r>
-                  </m:oMath>
-                </a14:m>
-                <a:endParaRPr lang="en-US" b="0" dirty="0"/>
+                <a:r>
+                  <a:rPr lang="en-US" b="0" i="0" dirty="0">
+                    <a:latin typeface="Cambria Math" panose="02040503050406030204" pitchFamily="18" charset="0"/>
+                  </a:rPr>
+                  <a:t>, all B in Z</a:t>
+                </a:r>
               </a:p>
               <a:p>
                 <a14:m>
@@ -4765,21 +3787,129 @@
                 <a:endParaRPr lang="en-US" b="0" dirty="0"/>
               </a:p>
               <a:p>
-                <a:r>
-                  <a:rPr lang="en-US" dirty="0"/>
-                  <a:t>We should also consider moving plasmas in real life</a:t>
-                </a:r>
+                <a14:m>
+                  <m:oMath xmlns:m="http://schemas.openxmlformats.org/officeDocument/2006/math">
+                    <m:r>
+                      <m:rPr>
+                        <m:sty m:val="p"/>
+                      </m:rPr>
+                      <a:rPr lang="en-US">
+                        <a:latin typeface="Cambria Math" panose="02040503050406030204" pitchFamily="18" charset="0"/>
+                      </a:rPr>
+                      <m:t>∇</m:t>
+                    </m:r>
+                    <m:r>
+                      <a:rPr lang="en-US" i="1">
+                        <a:latin typeface="Cambria Math" panose="02040503050406030204" pitchFamily="18" charset="0"/>
+                      </a:rPr>
+                      <m:t>×</m:t>
+                    </m:r>
+                    <m:r>
+                      <a:rPr lang="en-US" i="1">
+                        <a:latin typeface="Cambria Math" panose="02040503050406030204" pitchFamily="18" charset="0"/>
+                      </a:rPr>
+                      <m:t>𝐵</m:t>
+                    </m:r>
+                    <m:r>
+                      <a:rPr lang="en-US" i="1">
+                        <a:latin typeface="Cambria Math" panose="02040503050406030204" pitchFamily="18" charset="0"/>
+                      </a:rPr>
+                      <m:t>=</m:t>
+                    </m:r>
+                    <m:sSub>
+                      <m:sSubPr>
+                        <m:ctrlPr>
+                          <a:rPr lang="en-US" i="1">
+                            <a:latin typeface="Cambria Math" panose="02040503050406030204" pitchFamily="18" charset="0"/>
+                          </a:rPr>
+                        </m:ctrlPr>
+                      </m:sSubPr>
+                      <m:e>
+                        <m:r>
+                          <a:rPr lang="en-US" i="1">
+                            <a:latin typeface="Cambria Math" panose="02040503050406030204" pitchFamily="18" charset="0"/>
+                          </a:rPr>
+                          <m:t>𝜇</m:t>
+                        </m:r>
+                      </m:e>
+                      <m:sub>
+                        <m:r>
+                          <a:rPr lang="en-US" i="1">
+                            <a:latin typeface="Cambria Math" panose="02040503050406030204" pitchFamily="18" charset="0"/>
+                          </a:rPr>
+                          <m:t>0</m:t>
+                        </m:r>
+                      </m:sub>
+                    </m:sSub>
+                    <m:r>
+                      <a:rPr lang="en-US" i="1">
+                        <a:latin typeface="Cambria Math" panose="02040503050406030204" pitchFamily="18" charset="0"/>
+                      </a:rPr>
+                      <m:t>𝐽</m:t>
+                    </m:r>
+                  </m:oMath>
+                </a14:m>
+                <a:endParaRPr lang="en-US" dirty="0"/>
+              </a:p>
+              <a:p>
+                <a14:m>
+                  <m:oMath xmlns:m="http://schemas.openxmlformats.org/officeDocument/2006/math">
+                    <m:r>
+                      <a:rPr lang="en-US" i="1">
+                        <a:latin typeface="Cambria Math" panose="02040503050406030204" pitchFamily="18" charset="0"/>
+                      </a:rPr>
+                      <m:t>𝐽</m:t>
+                    </m:r>
+                    <m:r>
+                      <a:rPr lang="en-US" i="1">
+                        <a:latin typeface="Cambria Math" panose="02040503050406030204" pitchFamily="18" charset="0"/>
+                      </a:rPr>
+                      <m:t> ×</m:t>
+                    </m:r>
+                    <m:r>
+                      <a:rPr lang="en-US" i="1">
+                        <a:latin typeface="Cambria Math" panose="02040503050406030204" pitchFamily="18" charset="0"/>
+                      </a:rPr>
+                      <m:t>𝐵</m:t>
+                    </m:r>
+                    <m:r>
+                      <a:rPr lang="en-US" i="1">
+                        <a:latin typeface="Cambria Math" panose="02040503050406030204" pitchFamily="18" charset="0"/>
+                      </a:rPr>
+                      <m:t>=</m:t>
+                    </m:r>
+                    <m:r>
+                      <m:rPr>
+                        <m:sty m:val="p"/>
+                      </m:rPr>
+                      <a:rPr lang="en-US">
+                        <a:latin typeface="Cambria Math" panose="02040503050406030204" pitchFamily="18" charset="0"/>
+                      </a:rPr>
+                      <m:t>∇</m:t>
+                    </m:r>
+                    <m:r>
+                      <a:rPr lang="en-US" i="1">
+                        <a:latin typeface="Cambria Math" panose="02040503050406030204" pitchFamily="18" charset="0"/>
+                      </a:rPr>
+                      <m:t>𝑃</m:t>
+                    </m:r>
+                  </m:oMath>
+                </a14:m>
+                <a:endParaRPr lang="en-US" dirty="0"/>
               </a:p>
               <a:p>
                 <a:r>
                   <a:rPr lang="en-US" dirty="0"/>
-                  <a:t>Note final paragraph</a:t>
+                  <a:t>Stable, simple, but end losses </a:t>
                 </a:r>
+              </a:p>
+              <a:p>
+                <a:endParaRPr lang="en-US" b="0" dirty="0"/>
               </a:p>
             </p:txBody>
           </p:sp>
         </mc:Choice>
-        <mc:Fallback xmlns="">
+        <mc:Fallback>
           <p:sp>
             <p:nvSpPr>
               <p:cNvPr id="3" name="Content Placeholder 2">
@@ -4798,9 +3928,9 @@
             </p:nvSpPr>
             <p:spPr>
               <a:blipFill>
-                <a:blip r:embed="rId2"/>
+                <a:blip r:embed="rId3"/>
                 <a:stretch>
-                  <a:fillRect l="-1086" t="-1744"/>
+                  <a:fillRect l="-1086" t="-2326"/>
                 </a:stretch>
               </a:blipFill>
             </p:spPr>
@@ -4872,39 +4002,105 @@
           <a:p>
             <a:r>
               <a:rPr lang="en-US" dirty="0"/>
-              <a:t>4.3 The Virial Theorem</a:t>
-            </a:r>
-          </a:p>
-        </p:txBody>
-      </p:sp>
-      <p:sp>
-        <p:nvSpPr>
-          <p:cNvPr id="3" name="Content Placeholder 2">
-            <a:extLst>
-              <a:ext uri="{FF2B5EF4-FFF2-40B4-BE49-F238E27FC236}">
-                <a16:creationId xmlns:a16="http://schemas.microsoft.com/office/drawing/2014/main" id="{70ACCA02-5A1F-6E4A-9794-F7B36349410F}"/>
-              </a:ext>
-            </a:extLst>
-          </p:cNvPr>
-          <p:cNvSpPr>
-            <a:spLocks noGrp="1"/>
-          </p:cNvSpPr>
-          <p:nvPr>
-            <p:ph idx="1"/>
-          </p:nvPr>
-        </p:nvSpPr>
-        <p:spPr/>
-        <p:txBody>
-          <a:bodyPr/>
-          <a:lstStyle/>
-          <a:p>
-            <a:r>
-              <a:rPr lang="en-US" dirty="0"/>
-              <a:t>There must be external currents</a:t>
-            </a:r>
-          </a:p>
-        </p:txBody>
-      </p:sp>
+              <a:t>5.3 The Z-pinch</a:t>
+            </a:r>
+          </a:p>
+        </p:txBody>
+      </p:sp>
+      <mc:AlternateContent xmlns:mc="http://schemas.openxmlformats.org/markup-compatibility/2006">
+        <mc:Choice xmlns:a14="http://schemas.microsoft.com/office/drawing/2010/main" Requires="a14">
+          <p:sp>
+            <p:nvSpPr>
+              <p:cNvPr id="3" name="Content Placeholder 2">
+                <a:extLst>
+                  <a:ext uri="{FF2B5EF4-FFF2-40B4-BE49-F238E27FC236}">
+                    <a16:creationId xmlns:a16="http://schemas.microsoft.com/office/drawing/2014/main" id="{70ACCA02-5A1F-6E4A-9794-F7B36349410F}"/>
+                  </a:ext>
+                </a:extLst>
+              </p:cNvPr>
+              <p:cNvSpPr>
+                <a:spLocks noGrp="1"/>
+              </p:cNvSpPr>
+              <p:nvPr>
+                <p:ph idx="1"/>
+              </p:nvPr>
+            </p:nvSpPr>
+            <p:spPr/>
+            <p:txBody>
+              <a:bodyPr/>
+              <a:lstStyle/>
+              <a:p>
+                <a:r>
+                  <a:rPr lang="en-US" dirty="0"/>
+                  <a:t>All current in Z, all B in </a:t>
+                </a:r>
+                <a14:m>
+                  <m:oMath xmlns:m="http://schemas.openxmlformats.org/officeDocument/2006/math">
+                    <m:r>
+                      <a:rPr lang="en-US" b="0" i="1" smtClean="0">
+                        <a:latin typeface="Cambria Math" panose="02040503050406030204" pitchFamily="18" charset="0"/>
+                      </a:rPr>
+                      <m:t>𝜃</m:t>
+                    </m:r>
+                  </m:oMath>
+                </a14:m>
+                <a:endParaRPr lang="en-US" b="0" dirty="0"/>
+              </a:p>
+              <a:p>
+                <a:r>
+                  <a:rPr lang="en-US" dirty="0"/>
+                  <a:t>Simple, but kink unstable </a:t>
+                </a:r>
+              </a:p>
+              <a:p>
+                <a:r>
+                  <a:rPr lang="en-US" dirty="0"/>
+                  <a:t>Introduces the reader to a simple curvature effect</a:t>
+                </a:r>
+              </a:p>
+            </p:txBody>
+          </p:sp>
+        </mc:Choice>
+        <mc:Fallback>
+          <p:sp>
+            <p:nvSpPr>
+              <p:cNvPr id="3" name="Content Placeholder 2">
+                <a:extLst>
+                  <a:ext uri="{FF2B5EF4-FFF2-40B4-BE49-F238E27FC236}">
+                    <a16:creationId xmlns:a16="http://schemas.microsoft.com/office/drawing/2014/main" id="{70ACCA02-5A1F-6E4A-9794-F7B36349410F}"/>
+                  </a:ext>
+                </a:extLst>
+              </p:cNvPr>
+              <p:cNvSpPr>
+                <a:spLocks noGrp="1" noRot="1" noChangeAspect="1" noMove="1" noResize="1" noEditPoints="1" noAdjustHandles="1" noChangeArrowheads="1" noChangeShapeType="1" noTextEdit="1"/>
+              </p:cNvSpPr>
+              <p:nvPr>
+                <p:ph idx="1"/>
+              </p:nvPr>
+            </p:nvSpPr>
+            <p:spPr>
+              <a:blipFill>
+                <a:blip r:embed="rId2"/>
+                <a:stretch>
+                  <a:fillRect l="-1086" t="-2326"/>
+                </a:stretch>
+              </a:blipFill>
+            </p:spPr>
+            <p:txBody>
+              <a:bodyPr/>
+              <a:lstStyle/>
+              <a:p>
+                <a:r>
+                  <a:rPr lang="en-US">
+                    <a:noFill/>
+                  </a:rPr>
+                  <a:t> </a:t>
+                </a:r>
+              </a:p>
+            </p:txBody>
+          </p:sp>
+        </mc:Fallback>
+      </mc:AlternateContent>
     </p:spTree>
     <p:extLst>
       <p:ext uri="{BB962C8B-B14F-4D97-AF65-F5344CB8AC3E}">
@@ -4958,47 +4154,162 @@
           <a:p>
             <a:r>
               <a:rPr lang="en-US" dirty="0"/>
-              <a:t>4.4 The Need for Toroidicity</a:t>
-            </a:r>
-          </a:p>
-        </p:txBody>
-      </p:sp>
-      <p:sp>
-        <p:nvSpPr>
-          <p:cNvPr id="3" name="Content Placeholder 2">
-            <a:extLst>
-              <a:ext uri="{FF2B5EF4-FFF2-40B4-BE49-F238E27FC236}">
-                <a16:creationId xmlns:a16="http://schemas.microsoft.com/office/drawing/2014/main" id="{D60DC0FC-12D2-7948-A37E-360169067B18}"/>
-              </a:ext>
-            </a:extLst>
-          </p:cNvPr>
-          <p:cNvSpPr>
-            <a:spLocks noGrp="1"/>
-          </p:cNvSpPr>
-          <p:nvPr>
-            <p:ph idx="1"/>
-          </p:nvPr>
-        </p:nvSpPr>
-        <p:spPr/>
-        <p:txBody>
-          <a:bodyPr>
-            <a:normAutofit/>
-          </a:bodyPr>
-          <a:lstStyle/>
-          <a:p>
-            <a:r>
-              <a:rPr lang="en-US" dirty="0"/>
-              <a:t>Parallel losses too great otherwise.</a:t>
-            </a:r>
-          </a:p>
-          <a:p>
-            <a:endParaRPr lang="en-US" dirty="0"/>
-          </a:p>
-          <a:p>
-            <a:endParaRPr lang="en-US" dirty="0"/>
-          </a:p>
-        </p:txBody>
-      </p:sp>
+              <a:t>5.4 The General Screw Pinch</a:t>
+            </a:r>
+          </a:p>
+        </p:txBody>
+      </p:sp>
+      <mc:AlternateContent xmlns:mc="http://schemas.openxmlformats.org/markup-compatibility/2006">
+        <mc:Choice xmlns:a14="http://schemas.microsoft.com/office/drawing/2010/main" Requires="a14">
+          <p:sp>
+            <p:nvSpPr>
+              <p:cNvPr id="3" name="Content Placeholder 2">
+                <a:extLst>
+                  <a:ext uri="{FF2B5EF4-FFF2-40B4-BE49-F238E27FC236}">
+                    <a16:creationId xmlns:a16="http://schemas.microsoft.com/office/drawing/2014/main" id="{D60DC0FC-12D2-7948-A37E-360169067B18}"/>
+                  </a:ext>
+                </a:extLst>
+              </p:cNvPr>
+              <p:cNvSpPr>
+                <a:spLocks noGrp="1"/>
+              </p:cNvSpPr>
+              <p:nvPr>
+                <p:ph idx="1"/>
+              </p:nvPr>
+            </p:nvSpPr>
+            <p:spPr/>
+            <p:txBody>
+              <a:bodyPr>
+                <a:normAutofit/>
+              </a:bodyPr>
+              <a:lstStyle/>
+              <a:p>
+                <a:r>
+                  <a:rPr lang="en-US" dirty="0"/>
+                  <a:t>Combination of Z and </a:t>
+                </a:r>
+                <a14:m>
+                  <m:oMath xmlns:m="http://schemas.openxmlformats.org/officeDocument/2006/math">
+                    <m:r>
+                      <a:rPr lang="en-US" b="0" i="1" smtClean="0">
+                        <a:latin typeface="Cambria Math" panose="02040503050406030204" pitchFamily="18" charset="0"/>
+                      </a:rPr>
+                      <m:t>𝜃</m:t>
+                    </m:r>
+                  </m:oMath>
+                </a14:m>
+                <a:r>
+                  <a:rPr lang="en-US" dirty="0"/>
+                  <a:t>-pinch</a:t>
+                </a:r>
+              </a:p>
+              <a:p>
+                <a:r>
+                  <a:rPr lang="en-US" dirty="0"/>
+                  <a:t>The angle that J crosses B determines property</a:t>
+                </a:r>
+              </a:p>
+              <a:p>
+                <a:r>
+                  <a:rPr lang="en-US" dirty="0"/>
+                  <a:t>Limited into a parallel or perpendicular screw pinch</a:t>
+                </a:r>
+              </a:p>
+              <a:p>
+                <a:r>
+                  <a:rPr lang="en-US" dirty="0"/>
+                  <a:t>Here we get some more important qualities introduced</a:t>
+                </a:r>
+              </a:p>
+              <a:p>
+                <a:pPr lvl="1"/>
+                <a:r>
+                  <a:rPr lang="en-US" dirty="0"/>
+                  <a:t>Two free functions</a:t>
+                </a:r>
+              </a:p>
+              <a:p>
+                <a:pPr lvl="1"/>
+                <a:r>
+                  <a:rPr lang="en-US" dirty="0"/>
+                  <a:t>Flux Surfaces</a:t>
+                </a:r>
+              </a:p>
+              <a:p>
+                <a:pPr lvl="1"/>
+                <a:r>
+                  <a:rPr lang="en-US" dirty="0"/>
+                  <a:t>Beta</a:t>
+                </a:r>
+              </a:p>
+              <a:p>
+                <a:pPr lvl="1"/>
+                <a:r>
+                  <a:rPr lang="en-US" dirty="0"/>
+                  <a:t>Kink safety factor</a:t>
+                </a:r>
+              </a:p>
+              <a:p>
+                <a:pPr lvl="1"/>
+                <a:r>
+                  <a:rPr lang="en-US" dirty="0"/>
+                  <a:t>Rotational transform and safety </a:t>
+                </a:r>
+                <a:r>
+                  <a:rPr lang="en-US" dirty="0" err="1"/>
+                  <a:t>gactor</a:t>
+                </a:r>
+                <a:endParaRPr lang="en-US" dirty="0"/>
+              </a:p>
+              <a:p>
+                <a:endParaRPr lang="en-US" dirty="0"/>
+              </a:p>
+              <a:p>
+                <a:endParaRPr lang="en-US" dirty="0"/>
+              </a:p>
+            </p:txBody>
+          </p:sp>
+        </mc:Choice>
+        <mc:Fallback>
+          <p:sp>
+            <p:nvSpPr>
+              <p:cNvPr id="3" name="Content Placeholder 2">
+                <a:extLst>
+                  <a:ext uri="{FF2B5EF4-FFF2-40B4-BE49-F238E27FC236}">
+                    <a16:creationId xmlns:a16="http://schemas.microsoft.com/office/drawing/2014/main" id="{D60DC0FC-12D2-7948-A37E-360169067B18}"/>
+                  </a:ext>
+                </a:extLst>
+              </p:cNvPr>
+              <p:cNvSpPr>
+                <a:spLocks noGrp="1" noRot="1" noChangeAspect="1" noMove="1" noResize="1" noEditPoints="1" noAdjustHandles="1" noChangeArrowheads="1" noChangeShapeType="1" noTextEdit="1"/>
+              </p:cNvSpPr>
+              <p:nvPr>
+                <p:ph idx="1"/>
+              </p:nvPr>
+            </p:nvSpPr>
+            <p:spPr>
+              <a:blipFill>
+                <a:blip r:embed="rId2"/>
+                <a:stretch>
+                  <a:fillRect l="-1086" t="-2326"/>
+                </a:stretch>
+              </a:blipFill>
+            </p:spPr>
+            <p:txBody>
+              <a:bodyPr/>
+              <a:lstStyle/>
+              <a:p>
+                <a:r>
+                  <a:rPr lang="en-US">
+                    <a:noFill/>
+                  </a:rPr>
+                  <a:t> </a:t>
+                </a:r>
+              </a:p>
+            </p:txBody>
+          </p:sp>
+        </mc:Fallback>
+      </mc:AlternateContent>
     </p:spTree>
     <p:extLst>
       <p:ext uri="{BB962C8B-B14F-4D97-AF65-F5344CB8AC3E}">
@@ -5052,305 +4363,66 @@
           <a:p>
             <a:r>
               <a:rPr lang="en-US" dirty="0"/>
-              <a:t>4.5 Flux Surfaces</a:t>
-            </a:r>
-          </a:p>
-        </p:txBody>
-      </p:sp>
-      <mc:AlternateContent xmlns:mc="http://schemas.openxmlformats.org/markup-compatibility/2006" xmlns:a14="http://schemas.microsoft.com/office/drawing/2010/main">
-        <mc:Choice Requires="a14">
-          <p:sp>
-            <p:nvSpPr>
-              <p:cNvPr id="3" name="Content Placeholder 2">
-                <a:extLst>
-                  <a:ext uri="{FF2B5EF4-FFF2-40B4-BE49-F238E27FC236}">
-                    <a16:creationId xmlns:a16="http://schemas.microsoft.com/office/drawing/2014/main" id="{53E556CB-449E-744D-B8BB-6B33D730677F}"/>
-                  </a:ext>
-                </a:extLst>
-              </p:cNvPr>
-              <p:cNvSpPr>
-                <a:spLocks noGrp="1"/>
-              </p:cNvSpPr>
-              <p:nvPr>
-                <p:ph idx="1"/>
-              </p:nvPr>
-            </p:nvSpPr>
-            <p:spPr/>
-            <p:txBody>
-              <a:bodyPr/>
-              <a:lstStyle/>
-              <a:p>
-                <a14:m>
-                  <m:oMath xmlns:m="http://schemas.openxmlformats.org/officeDocument/2006/math">
-                    <m:r>
-                      <a:rPr lang="en-US" b="0" i="1" smtClean="0">
-                        <a:latin typeface="Cambria Math" panose="02040503050406030204" pitchFamily="18" charset="0"/>
-                      </a:rPr>
-                      <m:t>𝐽</m:t>
-                    </m:r>
-                    <m:r>
-                      <a:rPr lang="en-US" b="0" i="1" smtClean="0">
-                        <a:latin typeface="Cambria Math" panose="02040503050406030204" pitchFamily="18" charset="0"/>
-                      </a:rPr>
-                      <m:t>×</m:t>
-                    </m:r>
-                    <m:r>
-                      <m:rPr>
-                        <m:sty m:val="p"/>
-                      </m:rPr>
-                      <a:rPr lang="en-US" b="0" i="0" smtClean="0">
-                        <a:latin typeface="Cambria Math" panose="02040503050406030204" pitchFamily="18" charset="0"/>
-                      </a:rPr>
-                      <m:t>∇</m:t>
-                    </m:r>
-                    <m:r>
-                      <a:rPr lang="en-US" b="0" i="1" smtClean="0">
-                        <a:latin typeface="Cambria Math" panose="02040503050406030204" pitchFamily="18" charset="0"/>
-                      </a:rPr>
-                      <m:t>𝑝</m:t>
-                    </m:r>
-                    <m:r>
-                      <a:rPr lang="en-US" b="0" i="1" smtClean="0">
-                        <a:latin typeface="Cambria Math" panose="02040503050406030204" pitchFamily="18" charset="0"/>
-                      </a:rPr>
-                      <m:t>=0</m:t>
-                    </m:r>
-                  </m:oMath>
-                </a14:m>
-                <a:endParaRPr lang="en-US" b="0" dirty="0"/>
-              </a:p>
-              <a:p>
-                <a14:m>
-                  <m:oMath xmlns:m="http://schemas.openxmlformats.org/officeDocument/2006/math">
-                    <m:r>
-                      <a:rPr lang="en-US" b="0" i="1" smtClean="0">
-                        <a:latin typeface="Cambria Math" panose="02040503050406030204" pitchFamily="18" charset="0"/>
-                      </a:rPr>
-                      <m:t>𝐵</m:t>
-                    </m:r>
-                    <m:r>
-                      <a:rPr lang="en-US" b="0" i="1" smtClean="0">
-                        <a:latin typeface="Cambria Math" panose="02040503050406030204" pitchFamily="18" charset="0"/>
-                      </a:rPr>
-                      <m:t>⋅</m:t>
-                    </m:r>
-                    <m:r>
-                      <m:rPr>
-                        <m:sty m:val="p"/>
-                      </m:rPr>
-                      <a:rPr lang="en-US" b="0" i="0" smtClean="0">
-                        <a:latin typeface="Cambria Math" panose="02040503050406030204" pitchFamily="18" charset="0"/>
-                      </a:rPr>
-                      <m:t>∇</m:t>
-                    </m:r>
-                    <m:r>
-                      <a:rPr lang="en-US" b="0" i="1" smtClean="0">
-                        <a:latin typeface="Cambria Math" panose="02040503050406030204" pitchFamily="18" charset="0"/>
-                      </a:rPr>
-                      <m:t>𝑝</m:t>
-                    </m:r>
-                    <m:r>
-                      <a:rPr lang="en-US" b="0" i="1" smtClean="0">
-                        <a:latin typeface="Cambria Math" panose="02040503050406030204" pitchFamily="18" charset="0"/>
-                      </a:rPr>
-                      <m:t>=0</m:t>
-                    </m:r>
-                  </m:oMath>
-                </a14:m>
-                <a:endParaRPr lang="en-US" b="0" dirty="0"/>
-              </a:p>
-              <a:p>
-                <a:r>
-                  <a:rPr lang="en-US" dirty="0"/>
-                  <a:t>Rational, ergodic, stochastic</a:t>
-                </a:r>
-              </a:p>
-              <a:p>
-                <a14:m>
-                  <m:oMath xmlns:m="http://schemas.openxmlformats.org/officeDocument/2006/math">
-                    <m:r>
-                      <a:rPr lang="en-US" b="0" i="1" smtClean="0">
-                        <a:latin typeface="Cambria Math" panose="02040503050406030204" pitchFamily="18" charset="0"/>
-                      </a:rPr>
-                      <m:t>𝑖</m:t>
-                    </m:r>
-                    <m:r>
-                      <a:rPr lang="en-US" b="0" i="1" smtClean="0">
-                        <a:latin typeface="Cambria Math" panose="02040503050406030204" pitchFamily="18" charset="0"/>
-                      </a:rPr>
-                      <m:t>=</m:t>
-                    </m:r>
-                    <m:limLow>
-                      <m:limLowPr>
-                        <m:ctrlPr>
-                          <a:rPr lang="en-US" b="0" i="1" smtClean="0">
-                            <a:latin typeface="Cambria Math" panose="02040503050406030204" pitchFamily="18" charset="0"/>
-                          </a:rPr>
-                        </m:ctrlPr>
-                      </m:limLowPr>
-                      <m:e>
-                        <m:r>
-                          <m:rPr>
-                            <m:sty m:val="p"/>
-                          </m:rPr>
-                          <a:rPr lang="en-US" b="0" i="0" smtClean="0">
-                            <a:latin typeface="Cambria Math" panose="02040503050406030204" pitchFamily="18" charset="0"/>
-                          </a:rPr>
-                          <m:t>lim</m:t>
-                        </m:r>
-                      </m:e>
-                      <m:lim>
-                        <m:r>
-                          <a:rPr lang="en-US" b="0" i="1" smtClean="0">
-                            <a:latin typeface="Cambria Math" panose="02040503050406030204" pitchFamily="18" charset="0"/>
-                          </a:rPr>
-                          <m:t>𝑁</m:t>
-                        </m:r>
-                        <m:r>
-                          <a:rPr lang="en-US" b="0" i="1" smtClean="0">
-                            <a:latin typeface="Cambria Math" panose="02040503050406030204" pitchFamily="18" charset="0"/>
-                          </a:rPr>
-                          <m:t>→∞</m:t>
-                        </m:r>
-                      </m:lim>
-                    </m:limLow>
-                    <m:f>
-                      <m:fPr>
-                        <m:ctrlPr>
-                          <a:rPr lang="en-US" b="0" i="1" smtClean="0">
-                            <a:latin typeface="Cambria Math" panose="02040503050406030204" pitchFamily="18" charset="0"/>
-                          </a:rPr>
-                        </m:ctrlPr>
-                      </m:fPr>
-                      <m:num>
-                        <m:r>
-                          <a:rPr lang="en-US" b="0" i="0" smtClean="0">
-                            <a:latin typeface="Cambria Math" panose="02040503050406030204" pitchFamily="18" charset="0"/>
-                          </a:rPr>
-                          <m:t>1</m:t>
-                        </m:r>
-                      </m:num>
-                      <m:den>
-                        <m:r>
-                          <m:rPr>
-                            <m:sty m:val="p"/>
-                          </m:rPr>
-                          <a:rPr lang="en-US" b="0" i="0" smtClean="0">
-                            <a:latin typeface="Cambria Math" panose="02040503050406030204" pitchFamily="18" charset="0"/>
-                          </a:rPr>
-                          <m:t>N</m:t>
-                        </m:r>
-                      </m:den>
-                    </m:f>
-                    <m:nary>
-                      <m:naryPr>
-                        <m:chr m:val="∑"/>
-                        <m:supHide m:val="on"/>
-                        <m:ctrlPr>
-                          <a:rPr lang="en-US" b="0" i="1" smtClean="0">
-                            <a:latin typeface="Cambria Math" panose="02040503050406030204" pitchFamily="18" charset="0"/>
-                          </a:rPr>
-                        </m:ctrlPr>
-                      </m:naryPr>
-                      <m:sub>
-                        <m:r>
-                          <m:rPr>
-                            <m:brk m:alnAt="7"/>
-                          </m:rPr>
-                          <a:rPr lang="en-US" b="0" i="1" smtClean="0">
-                            <a:latin typeface="Cambria Math" panose="02040503050406030204" pitchFamily="18" charset="0"/>
-                          </a:rPr>
-                          <m:t>𝑁</m:t>
-                        </m:r>
-                      </m:sub>
-                      <m:sup/>
-                      <m:e>
-                        <m:r>
-                          <m:rPr>
-                            <m:sty m:val="p"/>
-                          </m:rPr>
-                          <a:rPr lang="en-US" b="0" i="0" smtClean="0">
-                            <a:latin typeface="Cambria Math" panose="02040503050406030204" pitchFamily="18" charset="0"/>
-                          </a:rPr>
-                          <m:t>Δ</m:t>
-                        </m:r>
-                        <m:sSub>
-                          <m:sSubPr>
-                            <m:ctrlPr>
-                              <a:rPr lang="en-US" b="0" i="1" smtClean="0">
-                                <a:latin typeface="Cambria Math" panose="02040503050406030204" pitchFamily="18" charset="0"/>
-                              </a:rPr>
-                            </m:ctrlPr>
-                          </m:sSubPr>
-                          <m:e>
-                            <m:r>
-                              <m:rPr>
-                                <m:sty m:val="p"/>
-                              </m:rPr>
-                              <a:rPr lang="en-US" b="0" i="0" smtClean="0">
-                                <a:latin typeface="Cambria Math" panose="02040503050406030204" pitchFamily="18" charset="0"/>
-                              </a:rPr>
-                              <m:t>Θ</m:t>
-                            </m:r>
-                          </m:e>
-                          <m:sub>
-                            <m:r>
-                              <a:rPr lang="en-US" b="0" i="1" smtClean="0">
-                                <a:latin typeface="Cambria Math" panose="02040503050406030204" pitchFamily="18" charset="0"/>
-                              </a:rPr>
-                              <m:t>𝑁</m:t>
-                            </m:r>
-                          </m:sub>
-                        </m:sSub>
-                      </m:e>
-                    </m:nary>
-                  </m:oMath>
-                </a14:m>
-                <a:endParaRPr lang="en-US" dirty="0"/>
-              </a:p>
-            </p:txBody>
-          </p:sp>
-        </mc:Choice>
-        <mc:Fallback xmlns="">
-          <p:sp>
-            <p:nvSpPr>
-              <p:cNvPr id="3" name="Content Placeholder 2">
-                <a:extLst>
-                  <a:ext uri="{FF2B5EF4-FFF2-40B4-BE49-F238E27FC236}">
-                    <a16:creationId xmlns:a16="http://schemas.microsoft.com/office/drawing/2014/main" id="{53E556CB-449E-744D-B8BB-6B33D730677F}"/>
-                  </a:ext>
-                </a:extLst>
-              </p:cNvPr>
-              <p:cNvSpPr>
-                <a:spLocks noGrp="1" noRot="1" noChangeAspect="1" noMove="1" noResize="1" noEditPoints="1" noAdjustHandles="1" noChangeArrowheads="1" noChangeShapeType="1" noTextEdit="1"/>
-              </p:cNvSpPr>
-              <p:nvPr>
-                <p:ph idx="1"/>
-              </p:nvPr>
-            </p:nvSpPr>
-            <p:spPr>
-              <a:blipFill>
-                <a:blip r:embed="rId2"/>
-                <a:stretch>
-                  <a:fillRect l="-1086" t="-1744"/>
-                </a:stretch>
-              </a:blipFill>
-            </p:spPr>
-            <p:txBody>
-              <a:bodyPr/>
-              <a:lstStyle/>
-              <a:p>
-                <a:r>
-                  <a:rPr lang="en-US">
-                    <a:noFill/>
-                  </a:rPr>
-                  <a:t> </a:t>
-                </a:r>
-              </a:p>
-            </p:txBody>
-          </p:sp>
-        </mc:Fallback>
-      </mc:AlternateContent>
+              <a:t>5.5 Inherently 1-D Fusion Configurations</a:t>
+            </a:r>
+          </a:p>
+        </p:txBody>
+      </p:sp>
+      <p:sp>
+        <p:nvSpPr>
+          <p:cNvPr id="3" name="Content Placeholder 2">
+            <a:extLst>
+              <a:ext uri="{FF2B5EF4-FFF2-40B4-BE49-F238E27FC236}">
+                <a16:creationId xmlns:a16="http://schemas.microsoft.com/office/drawing/2014/main" id="{53E556CB-449E-744D-B8BB-6B33D730677F}"/>
+              </a:ext>
+            </a:extLst>
+          </p:cNvPr>
+          <p:cNvSpPr>
+            <a:spLocks noGrp="1"/>
+          </p:cNvSpPr>
+          <p:nvPr>
+            <p:ph idx="1"/>
+          </p:nvPr>
+        </p:nvSpPr>
+        <p:spPr/>
+        <p:txBody>
+          <a:bodyPr/>
+          <a:lstStyle/>
+          <a:p>
+            <a:r>
+              <a:rPr lang="en-US" dirty="0"/>
+              <a:t>RFP (kind of a tokamak, but different relative magnitudes of fields and a different experimental procedure)</a:t>
+            </a:r>
+          </a:p>
+          <a:p>
+            <a:r>
+              <a:rPr lang="en-US" dirty="0"/>
+              <a:t>Low beta Tokamak</a:t>
+            </a:r>
+          </a:p>
+          <a:p>
+            <a:pPr lvl="1"/>
+            <a:r>
+              <a:rPr lang="en-US" dirty="0"/>
+              <a:t>Circular cross section</a:t>
+            </a:r>
+          </a:p>
+          <a:p>
+            <a:pPr lvl="1"/>
+            <a:r>
+              <a:rPr lang="en-US" dirty="0"/>
+              <a:t>Ohmic-heated</a:t>
+            </a:r>
+          </a:p>
+          <a:p>
+            <a:pPr lvl="1"/>
+            <a:r>
+              <a:rPr lang="en-US" dirty="0"/>
+              <a:t>Curvature effects are simply perturbative only</a:t>
+            </a:r>
+          </a:p>
+        </p:txBody>
+      </p:sp>
     </p:spTree>
     <p:extLst>
       <p:ext uri="{BB962C8B-B14F-4D97-AF65-F5344CB8AC3E}">
@@ -5404,159 +4476,19 @@
           <a:p>
             <a:r>
               <a:rPr lang="en-US" dirty="0"/>
-              <a:t>4.6.1 Fluxes and Currents</a:t>
-            </a:r>
-          </a:p>
-        </p:txBody>
-      </p:sp>
-      <p:sp>
-        <p:nvSpPr>
-          <p:cNvPr id="4" name="Content Placeholder 3">
-            <a:extLst>
-              <a:ext uri="{FF2B5EF4-FFF2-40B4-BE49-F238E27FC236}">
-                <a16:creationId xmlns:a16="http://schemas.microsoft.com/office/drawing/2014/main" id="{6EB56D5D-144F-154B-83E1-41D993188B1D}"/>
-              </a:ext>
-            </a:extLst>
-          </p:cNvPr>
-          <p:cNvSpPr>
-            <a:spLocks noGrp="1"/>
-          </p:cNvSpPr>
-          <p:nvPr>
-            <p:ph idx="1"/>
-          </p:nvPr>
-        </p:nvSpPr>
-        <p:spPr/>
-        <p:txBody>
-          <a:bodyPr/>
-          <a:lstStyle/>
-          <a:p>
-            <a:r>
-              <a:rPr lang="en-US" dirty="0"/>
-              <a:t>Talks about surface quantities.</a:t>
-            </a:r>
-          </a:p>
-        </p:txBody>
-      </p:sp>
-    </p:spTree>
-    <p:extLst>
-      <p:ext uri="{BB962C8B-B14F-4D97-AF65-F5344CB8AC3E}">
-        <p14:creationId xmlns:p14="http://schemas.microsoft.com/office/powerpoint/2010/main" val="2248302997"/>
-      </p:ext>
-    </p:extLst>
-  </p:cSld>
-  <p:clrMapOvr>
-    <a:masterClrMapping/>
-  </p:clrMapOvr>
-</p:sld>
-</file>
-
-<file path=ppt/slides/slide9.xml><?xml version="1.0" encoding="utf-8"?>
-<p:sld xmlns:a="http://schemas.openxmlformats.org/drawingml/2006/main" xmlns:r="http://schemas.openxmlformats.org/officeDocument/2006/relationships" xmlns:p="http://schemas.openxmlformats.org/presentationml/2006/main">
-  <p:cSld>
-    <p:spTree>
-      <p:nvGrpSpPr>
-        <p:cNvPr id="1" name=""/>
-        <p:cNvGrpSpPr/>
-        <p:nvPr/>
-      </p:nvGrpSpPr>
-      <p:grpSpPr>
-        <a:xfrm>
-          <a:off x="0" y="0"/>
-          <a:ext cx="0" cy="0"/>
-          <a:chOff x="0" y="0"/>
-          <a:chExt cx="0" cy="0"/>
-        </a:xfrm>
-      </p:grpSpPr>
-      <mc:AlternateContent xmlns:mc="http://schemas.openxmlformats.org/markup-compatibility/2006" xmlns:a14="http://schemas.microsoft.com/office/drawing/2010/main">
-        <mc:Choice Requires="a14">
+              <a:t>5.6 Summary</a:t>
+            </a:r>
+          </a:p>
+        </p:txBody>
+      </p:sp>
+      <mc:AlternateContent xmlns:mc="http://schemas.openxmlformats.org/markup-compatibility/2006">
+        <mc:Choice xmlns:a14="http://schemas.microsoft.com/office/drawing/2010/main" Requires="a14">
           <p:sp>
             <p:nvSpPr>
-              <p:cNvPr id="2" name="Title 1">
+              <p:cNvPr id="4" name="Content Placeholder 3">
                 <a:extLst>
                   <a:ext uri="{FF2B5EF4-FFF2-40B4-BE49-F238E27FC236}">
-                    <a16:creationId xmlns:a16="http://schemas.microsoft.com/office/drawing/2014/main" id="{9BE0FA30-8F29-BE4F-8296-3D74AC9001B8}"/>
-                  </a:ext>
-                </a:extLst>
-              </p:cNvPr>
-              <p:cNvSpPr>
-                <a:spLocks noGrp="1"/>
-              </p:cNvSpPr>
-              <p:nvPr>
-                <p:ph type="title"/>
-              </p:nvPr>
-            </p:nvSpPr>
-            <p:spPr/>
-            <p:txBody>
-              <a:bodyPr/>
-              <a:lstStyle/>
-              <a:p>
-                <a:r>
-                  <a:rPr lang="en-US" dirty="0"/>
-                  <a:t>4.6.2 Normalized Plasma Pressure, </a:t>
-                </a:r>
-                <a14:m>
-                  <m:oMath xmlns:m="http://schemas.openxmlformats.org/officeDocument/2006/math">
-                    <m:r>
-                      <a:rPr lang="en-US" b="0" i="1" smtClean="0">
-                        <a:latin typeface="Cambria Math" panose="02040503050406030204" pitchFamily="18" charset="0"/>
-                      </a:rPr>
-                      <m:t>𝛽</m:t>
-                    </m:r>
-                  </m:oMath>
-                </a14:m>
-                <a:endParaRPr lang="en-US" dirty="0"/>
-              </a:p>
-            </p:txBody>
-          </p:sp>
-        </mc:Choice>
-        <mc:Fallback xmlns="">
-          <p:sp>
-            <p:nvSpPr>
-              <p:cNvPr id="2" name="Title 1">
-                <a:extLst>
-                  <a:ext uri="{FF2B5EF4-FFF2-40B4-BE49-F238E27FC236}">
-                    <a16:creationId xmlns:a16="http://schemas.microsoft.com/office/drawing/2014/main" id="{9BE0FA30-8F29-BE4F-8296-3D74AC9001B8}"/>
-                  </a:ext>
-                </a:extLst>
-              </p:cNvPr>
-              <p:cNvSpPr>
-                <a:spLocks noGrp="1" noRot="1" noChangeAspect="1" noMove="1" noResize="1" noEditPoints="1" noAdjustHandles="1" noChangeArrowheads="1" noChangeShapeType="1" noTextEdit="1"/>
-              </p:cNvSpPr>
-              <p:nvPr>
-                <p:ph type="title"/>
-              </p:nvPr>
-            </p:nvSpPr>
-            <p:spPr>
-              <a:blipFill>
-                <a:blip r:embed="rId2"/>
-                <a:stretch>
-                  <a:fillRect l="-2413"/>
-                </a:stretch>
-              </a:blipFill>
-            </p:spPr>
-            <p:txBody>
-              <a:bodyPr/>
-              <a:lstStyle/>
-              <a:p>
-                <a:r>
-                  <a:rPr lang="en-US">
-                    <a:noFill/>
-                  </a:rPr>
-                  <a:t> </a:t>
-                </a:r>
-              </a:p>
-            </p:txBody>
-          </p:sp>
-        </mc:Fallback>
-      </mc:AlternateContent>
-      <mc:AlternateContent xmlns:mc="http://schemas.openxmlformats.org/markup-compatibility/2006" xmlns:a14="http://schemas.microsoft.com/office/drawing/2010/main">
-        <mc:Choice Requires="a14">
-          <p:sp>
-            <p:nvSpPr>
-              <p:cNvPr id="3" name="Content Placeholder 2">
-                <a:extLst>
-                  <a:ext uri="{FF2B5EF4-FFF2-40B4-BE49-F238E27FC236}">
-                    <a16:creationId xmlns:a16="http://schemas.microsoft.com/office/drawing/2014/main" id="{24DF13C7-D029-7042-B372-DAFD9404A81E}"/>
+                    <a16:creationId xmlns:a16="http://schemas.microsoft.com/office/drawing/2014/main" id="{6EB56D5D-144F-154B-83E1-41D993188B1D}"/>
                   </a:ext>
                 </a:extLst>
               </p:cNvPr>
@@ -5575,380 +4507,55 @@
                 <a14:m>
                   <m:oMath xmlns:m="http://schemas.openxmlformats.org/officeDocument/2006/math">
                     <m:r>
-                      <a:rPr lang="en-US" b="0" i="1" smtClean="0">
+                      <m:rPr>
+                        <m:sty m:val="p"/>
+                      </m:rPr>
+                      <a:rPr lang="en-US" b="0" i="0" smtClean="0">
                         <a:latin typeface="Cambria Math" panose="02040503050406030204" pitchFamily="18" charset="0"/>
                       </a:rPr>
-                      <m:t>&lt;</m:t>
-                    </m:r>
-                    <m:r>
-                      <a:rPr lang="en-US" b="0" i="1" smtClean="0">
-                        <a:latin typeface="Cambria Math" panose="02040503050406030204" pitchFamily="18" charset="0"/>
-                      </a:rPr>
-                      <m:t>𝑝</m:t>
-                    </m:r>
-                    <m:r>
-                      <a:rPr lang="en-US" b="0" i="1" smtClean="0">
-                        <a:latin typeface="Cambria Math" panose="02040503050406030204" pitchFamily="18" charset="0"/>
-                      </a:rPr>
-                      <m:t>&gt; =</m:t>
-                    </m:r>
-                    <m:f>
-                      <m:fPr>
-                        <m:ctrlPr>
-                          <a:rPr lang="en-US" b="0" i="1" smtClean="0">
-                            <a:latin typeface="Cambria Math" panose="02040503050406030204" pitchFamily="18" charset="0"/>
-                          </a:rPr>
-                        </m:ctrlPr>
-                      </m:fPr>
-                      <m:num>
-                        <m:r>
-                          <a:rPr lang="en-US" b="0" i="1" smtClean="0">
-                            <a:latin typeface="Cambria Math" panose="02040503050406030204" pitchFamily="18" charset="0"/>
-                          </a:rPr>
-                          <m:t>1</m:t>
-                        </m:r>
-                      </m:num>
-                      <m:den>
-                        <m:sSub>
-                          <m:sSubPr>
-                            <m:ctrlPr>
-                              <a:rPr lang="en-US" b="0" i="1" smtClean="0">
-                                <a:latin typeface="Cambria Math" panose="02040503050406030204" pitchFamily="18" charset="0"/>
-                              </a:rPr>
-                            </m:ctrlPr>
-                          </m:sSubPr>
-                          <m:e>
-                            <m:r>
-                              <a:rPr lang="en-US" b="0" i="1" smtClean="0">
-                                <a:latin typeface="Cambria Math" panose="02040503050406030204" pitchFamily="18" charset="0"/>
-                              </a:rPr>
-                              <m:t>𝑉</m:t>
-                            </m:r>
-                          </m:e>
-                          <m:sub>
-                            <m:r>
-                              <a:rPr lang="en-US" b="0" i="1" smtClean="0">
-                                <a:latin typeface="Cambria Math" panose="02040503050406030204" pitchFamily="18" charset="0"/>
-                              </a:rPr>
-                              <m:t>𝑝</m:t>
-                            </m:r>
-                          </m:sub>
-                        </m:sSub>
-                      </m:den>
-                    </m:f>
-                    <m:r>
-                      <a:rPr lang="en-US" b="0" i="1" smtClean="0">
-                        <a:latin typeface="Cambria Math" panose="02040503050406030204" pitchFamily="18" charset="0"/>
-                      </a:rPr>
-                      <m:t>∫</m:t>
-                    </m:r>
-                    <m:r>
-                      <a:rPr lang="en-US" b="0" i="1" smtClean="0">
-                        <a:latin typeface="Cambria Math" panose="02040503050406030204" pitchFamily="18" charset="0"/>
-                      </a:rPr>
-                      <m:t>𝑝</m:t>
-                    </m:r>
-                    <m:d>
-                      <m:dPr>
-                        <m:ctrlPr>
-                          <a:rPr lang="en-US" b="0" i="1" smtClean="0">
-                            <a:latin typeface="Cambria Math" panose="02040503050406030204" pitchFamily="18" charset="0"/>
-                          </a:rPr>
-                        </m:ctrlPr>
-                      </m:dPr>
-                      <m:e>
-                        <m:r>
-                          <a:rPr lang="en-US" b="0" i="1" smtClean="0">
-                            <a:latin typeface="Cambria Math" panose="02040503050406030204" pitchFamily="18" charset="0"/>
-                          </a:rPr>
-                          <m:t>𝑟</m:t>
-                        </m:r>
-                      </m:e>
-                    </m:d>
-                    <m:r>
-                      <a:rPr lang="en-US" b="0" i="1" smtClean="0">
-                        <a:latin typeface="Cambria Math" panose="02040503050406030204" pitchFamily="18" charset="0"/>
-                      </a:rPr>
-                      <m:t>𝑑𝑟</m:t>
+                      <m:t>Θ</m:t>
                     </m:r>
                   </m:oMath>
                 </a14:m>
-                <a:endParaRPr lang="en-US" b="0" dirty="0"/>
+                <a:r>
+                  <a:rPr lang="en-US" dirty="0"/>
+                  <a:t>-pinch</a:t>
+                </a:r>
               </a:p>
               <a:p>
-                <a14:m>
-                  <m:oMath xmlns:m="http://schemas.openxmlformats.org/officeDocument/2006/math">
-                    <m:sSup>
-                      <m:sSupPr>
-                        <m:ctrlPr>
-                          <a:rPr lang="en-US" b="0" i="1" smtClean="0">
-                            <a:latin typeface="Cambria Math" panose="02040503050406030204" pitchFamily="18" charset="0"/>
-                          </a:rPr>
-                        </m:ctrlPr>
-                      </m:sSupPr>
-                      <m:e>
-                        <m:r>
-                          <a:rPr lang="en-US" b="0" i="1" smtClean="0">
-                            <a:latin typeface="Cambria Math" panose="02040503050406030204" pitchFamily="18" charset="0"/>
-                          </a:rPr>
-                          <m:t>𝐵</m:t>
-                        </m:r>
-                      </m:e>
-                      <m:sup>
-                        <m:r>
-                          <a:rPr lang="en-US" b="0" i="1" smtClean="0">
-                            <a:latin typeface="Cambria Math" panose="02040503050406030204" pitchFamily="18" charset="0"/>
-                          </a:rPr>
-                          <m:t>2</m:t>
-                        </m:r>
-                      </m:sup>
-                    </m:sSup>
-                    <m:r>
-                      <a:rPr lang="en-US" b="0" i="1" smtClean="0">
-                        <a:latin typeface="Cambria Math" panose="02040503050406030204" pitchFamily="18" charset="0"/>
-                      </a:rPr>
-                      <m:t>=</m:t>
-                    </m:r>
-                    <m:sSubSup>
-                      <m:sSubSupPr>
-                        <m:ctrlPr>
-                          <a:rPr lang="en-US" b="0" i="1" smtClean="0">
-                            <a:latin typeface="Cambria Math" panose="02040503050406030204" pitchFamily="18" charset="0"/>
-                          </a:rPr>
-                        </m:ctrlPr>
-                      </m:sSubSupPr>
-                      <m:e>
-                        <m:r>
-                          <a:rPr lang="en-US" b="0" i="1" smtClean="0">
-                            <a:latin typeface="Cambria Math" panose="02040503050406030204" pitchFamily="18" charset="0"/>
-                          </a:rPr>
-                          <m:t>𝐵</m:t>
-                        </m:r>
-                      </m:e>
-                      <m:sub>
-                        <m:r>
-                          <a:rPr lang="en-US" b="0" i="1" smtClean="0">
-                            <a:latin typeface="Cambria Math" panose="02040503050406030204" pitchFamily="18" charset="0"/>
-                          </a:rPr>
-                          <m:t>0</m:t>
-                        </m:r>
-                      </m:sub>
-                      <m:sup>
-                        <m:r>
-                          <a:rPr lang="en-US" b="0" i="1" smtClean="0">
-                            <a:latin typeface="Cambria Math" panose="02040503050406030204" pitchFamily="18" charset="0"/>
-                          </a:rPr>
-                          <m:t>2</m:t>
-                        </m:r>
-                      </m:sup>
-                    </m:sSubSup>
-                    <m:r>
-                      <a:rPr lang="en-US" b="0" i="1" smtClean="0">
-                        <a:latin typeface="Cambria Math" panose="02040503050406030204" pitchFamily="18" charset="0"/>
-                      </a:rPr>
-                      <m:t>+</m:t>
-                    </m:r>
-                    <m:sSup>
-                      <m:sSupPr>
-                        <m:ctrlPr>
-                          <a:rPr lang="en-US" b="0" i="1" smtClean="0">
-                            <a:latin typeface="Cambria Math" panose="02040503050406030204" pitchFamily="18" charset="0"/>
-                          </a:rPr>
-                        </m:ctrlPr>
-                      </m:sSupPr>
-                      <m:e>
-                        <m:r>
-                          <a:rPr lang="en-US" b="0" i="1" smtClean="0">
-                            <a:latin typeface="Cambria Math" panose="02040503050406030204" pitchFamily="18" charset="0"/>
-                          </a:rPr>
-                          <m:t>(</m:t>
-                        </m:r>
-                        <m:f>
-                          <m:fPr>
-                            <m:ctrlPr>
-                              <a:rPr lang="en-US" b="0" i="1" smtClean="0">
-                                <a:latin typeface="Cambria Math" panose="02040503050406030204" pitchFamily="18" charset="0"/>
-                              </a:rPr>
-                            </m:ctrlPr>
-                          </m:fPr>
-                          <m:num>
-                            <m:sSub>
-                              <m:sSubPr>
-                                <m:ctrlPr>
-                                  <a:rPr lang="en-US" b="0" i="1" smtClean="0">
-                                    <a:latin typeface="Cambria Math" panose="02040503050406030204" pitchFamily="18" charset="0"/>
-                                  </a:rPr>
-                                </m:ctrlPr>
-                              </m:sSubPr>
-                              <m:e>
-                                <m:r>
-                                  <a:rPr lang="en-US" b="0" i="1" smtClean="0">
-                                    <a:latin typeface="Cambria Math" panose="02040503050406030204" pitchFamily="18" charset="0"/>
-                                  </a:rPr>
-                                  <m:t>𝜇</m:t>
-                                </m:r>
-                              </m:e>
-                              <m:sub>
-                                <m:r>
-                                  <a:rPr lang="en-US" b="0" i="1" smtClean="0">
-                                    <a:latin typeface="Cambria Math" panose="02040503050406030204" pitchFamily="18" charset="0"/>
-                                  </a:rPr>
-                                  <m:t>0</m:t>
-                                </m:r>
-                              </m:sub>
-                            </m:sSub>
-                            <m:r>
-                              <a:rPr lang="en-US" b="0" i="1" smtClean="0">
-                                <a:latin typeface="Cambria Math" panose="02040503050406030204" pitchFamily="18" charset="0"/>
-                              </a:rPr>
-                              <m:t>𝐼</m:t>
-                            </m:r>
-                          </m:num>
-                          <m:den>
-                            <m:r>
-                              <a:rPr lang="en-US" b="0" i="1" smtClean="0">
-                                <a:latin typeface="Cambria Math" panose="02040503050406030204" pitchFamily="18" charset="0"/>
-                              </a:rPr>
-                              <m:t>2</m:t>
-                            </m:r>
-                            <m:r>
-                              <a:rPr lang="en-US" b="0" i="1" smtClean="0">
-                                <a:latin typeface="Cambria Math" panose="02040503050406030204" pitchFamily="18" charset="0"/>
-                              </a:rPr>
-                              <m:t>𝜋</m:t>
-                            </m:r>
-                            <m:r>
-                              <a:rPr lang="en-US" b="0" i="1" smtClean="0">
-                                <a:latin typeface="Cambria Math" panose="02040503050406030204" pitchFamily="18" charset="0"/>
-                              </a:rPr>
-                              <m:t>𝑎</m:t>
-                            </m:r>
-                          </m:den>
-                        </m:f>
-                        <m:r>
-                          <a:rPr lang="en-US" b="0" i="1" smtClean="0">
-                            <a:latin typeface="Cambria Math" panose="02040503050406030204" pitchFamily="18" charset="0"/>
-                          </a:rPr>
-                          <m:t>)</m:t>
-                        </m:r>
-                      </m:e>
-                      <m:sup>
-                        <m:r>
-                          <a:rPr lang="en-US" b="0" i="1" smtClean="0">
-                            <a:latin typeface="Cambria Math" panose="02040503050406030204" pitchFamily="18" charset="0"/>
-                          </a:rPr>
-                          <m:t>2</m:t>
-                        </m:r>
-                      </m:sup>
-                    </m:sSup>
-                  </m:oMath>
-                </a14:m>
-                <a:endParaRPr lang="en-US" dirty="0"/>
+                <a:r>
+                  <a:rPr lang="en-US" dirty="0"/>
+                  <a:t>Z-pinch</a:t>
+                </a:r>
               </a:p>
               <a:p>
-                <a14:m>
-                  <m:oMath xmlns:m="http://schemas.openxmlformats.org/officeDocument/2006/math">
-                    <m:r>
-                      <a:rPr lang="en-US" b="0" i="1" smtClean="0">
-                        <a:latin typeface="Cambria Math" panose="02040503050406030204" pitchFamily="18" charset="0"/>
-                      </a:rPr>
-                      <m:t>𝛽</m:t>
-                    </m:r>
-                    <m:r>
-                      <a:rPr lang="en-US" b="0" i="1" smtClean="0">
-                        <a:latin typeface="Cambria Math" panose="02040503050406030204" pitchFamily="18" charset="0"/>
-                      </a:rPr>
-                      <m:t>=</m:t>
-                    </m:r>
-                    <m:f>
-                      <m:fPr>
-                        <m:ctrlPr>
-                          <a:rPr lang="en-US" b="0" i="1" smtClean="0">
-                            <a:latin typeface="Cambria Math" panose="02040503050406030204" pitchFamily="18" charset="0"/>
-                          </a:rPr>
-                        </m:ctrlPr>
-                      </m:fPr>
-                      <m:num>
-                        <m:r>
-                          <a:rPr lang="en-US" b="0" i="1" smtClean="0">
-                            <a:latin typeface="Cambria Math" panose="02040503050406030204" pitchFamily="18" charset="0"/>
-                          </a:rPr>
-                          <m:t>2</m:t>
-                        </m:r>
-                        <m:sSub>
-                          <m:sSubPr>
-                            <m:ctrlPr>
-                              <a:rPr lang="en-US" b="0" i="1" smtClean="0">
-                                <a:latin typeface="Cambria Math" panose="02040503050406030204" pitchFamily="18" charset="0"/>
-                              </a:rPr>
-                            </m:ctrlPr>
-                          </m:sSubPr>
-                          <m:e>
-                            <m:r>
-                              <a:rPr lang="en-US" b="0" i="1" smtClean="0">
-                                <a:latin typeface="Cambria Math" panose="02040503050406030204" pitchFamily="18" charset="0"/>
-                              </a:rPr>
-                              <m:t>𝜇</m:t>
-                            </m:r>
-                          </m:e>
-                          <m:sub>
-                            <m:r>
-                              <a:rPr lang="en-US" b="0" i="1" smtClean="0">
-                                <a:latin typeface="Cambria Math" panose="02040503050406030204" pitchFamily="18" charset="0"/>
-                              </a:rPr>
-                              <m:t>0</m:t>
-                            </m:r>
-                          </m:sub>
-                        </m:sSub>
-                        <m:r>
-                          <a:rPr lang="en-US" b="0" i="1" smtClean="0">
-                            <a:latin typeface="Cambria Math" panose="02040503050406030204" pitchFamily="18" charset="0"/>
-                          </a:rPr>
-                          <m:t>𝑝</m:t>
-                        </m:r>
-                      </m:num>
-                      <m:den>
-                        <m:sSup>
-                          <m:sSupPr>
-                            <m:ctrlPr>
-                              <a:rPr lang="en-US" b="0" i="1" smtClean="0">
-                                <a:latin typeface="Cambria Math" panose="02040503050406030204" pitchFamily="18" charset="0"/>
-                              </a:rPr>
-                            </m:ctrlPr>
-                          </m:sSupPr>
-                          <m:e>
-                            <m:r>
-                              <a:rPr lang="en-US" b="0" i="1" smtClean="0">
-                                <a:latin typeface="Cambria Math" panose="02040503050406030204" pitchFamily="18" charset="0"/>
-                              </a:rPr>
-                              <m:t>𝐵</m:t>
-                            </m:r>
-                          </m:e>
-                          <m:sup>
-                            <m:r>
-                              <a:rPr lang="en-US" b="0" i="1" smtClean="0">
-                                <a:latin typeface="Cambria Math" panose="02040503050406030204" pitchFamily="18" charset="0"/>
-                              </a:rPr>
-                              <m:t>2</m:t>
-                            </m:r>
-                          </m:sup>
-                        </m:sSup>
-                      </m:den>
-                    </m:f>
-                  </m:oMath>
-                </a14:m>
-                <a:endParaRPr lang="en-US" dirty="0"/>
+                <a:r>
+                  <a:rPr lang="en-US" dirty="0"/>
+                  <a:t>Screw Pinch</a:t>
+                </a:r>
+              </a:p>
+              <a:p>
+                <a:r>
+                  <a:rPr lang="en-US" dirty="0"/>
+                  <a:t>RFP</a:t>
+                </a:r>
+              </a:p>
+              <a:p>
+                <a:r>
+                  <a:rPr lang="en-US" dirty="0"/>
+                  <a:t>Low-Beta Tokamak</a:t>
+                </a:r>
               </a:p>
             </p:txBody>
           </p:sp>
         </mc:Choice>
-        <mc:Fallback xmlns="">
+        <mc:Fallback>
           <p:sp>
             <p:nvSpPr>
-              <p:cNvPr id="3" name="Content Placeholder 2">
+              <p:cNvPr id="4" name="Content Placeholder 3">
                 <a:extLst>
                   <a:ext uri="{FF2B5EF4-FFF2-40B4-BE49-F238E27FC236}">
-                    <a16:creationId xmlns:a16="http://schemas.microsoft.com/office/drawing/2014/main" id="{24DF13C7-D029-7042-B372-DAFD9404A81E}"/>
+                    <a16:creationId xmlns:a16="http://schemas.microsoft.com/office/drawing/2014/main" id="{6EB56D5D-144F-154B-83E1-41D993188B1D}"/>
                   </a:ext>
                 </a:extLst>
               </p:cNvPr>
@@ -5961,9 +4568,9 @@
             </p:nvSpPr>
             <p:spPr>
               <a:blipFill>
-                <a:blip r:embed="rId3"/>
+                <a:blip r:embed="rId2"/>
                 <a:stretch>
-                  <a:fillRect l="-1086"/>
+                  <a:fillRect l="-1086" t="-2326"/>
                 </a:stretch>
               </a:blipFill>
             </p:spPr>
@@ -5985,7 +4592,7 @@
     </p:spTree>
     <p:extLst>
       <p:ext uri="{BB962C8B-B14F-4D97-AF65-F5344CB8AC3E}">
-        <p14:creationId xmlns:p14="http://schemas.microsoft.com/office/powerpoint/2010/main" val="2495082820"/>
+        <p14:creationId xmlns:p14="http://schemas.microsoft.com/office/powerpoint/2010/main" val="2248302997"/>
       </p:ext>
     </p:extLst>
   </p:cSld>

--- a/Presentations/IdealMHD_ch5.pptx
+++ b/Presentations/IdealMHD_ch5.pptx
@@ -266,7 +266,7 @@
           <a:p>
             <a:fld id="{E0585733-0B8F-AE44-850E-C11BBC73B782}" type="datetimeFigureOut">
               <a:rPr lang="en-US" smtClean="0"/>
-              <a:t>1/17/21</a:t>
+              <a:t>1/18/21</a:t>
             </a:fld>
             <a:endParaRPr lang="en-US"/>
           </a:p>
@@ -464,7 +464,7 @@
           <a:p>
             <a:fld id="{E0585733-0B8F-AE44-850E-C11BBC73B782}" type="datetimeFigureOut">
               <a:rPr lang="en-US" smtClean="0"/>
-              <a:t>1/17/21</a:t>
+              <a:t>1/18/21</a:t>
             </a:fld>
             <a:endParaRPr lang="en-US"/>
           </a:p>
@@ -672,7 +672,7 @@
           <a:p>
             <a:fld id="{E0585733-0B8F-AE44-850E-C11BBC73B782}" type="datetimeFigureOut">
               <a:rPr lang="en-US" smtClean="0"/>
-              <a:t>1/17/21</a:t>
+              <a:t>1/18/21</a:t>
             </a:fld>
             <a:endParaRPr lang="en-US"/>
           </a:p>
@@ -870,7 +870,7 @@
           <a:p>
             <a:fld id="{E0585733-0B8F-AE44-850E-C11BBC73B782}" type="datetimeFigureOut">
               <a:rPr lang="en-US" smtClean="0"/>
-              <a:t>1/17/21</a:t>
+              <a:t>1/18/21</a:t>
             </a:fld>
             <a:endParaRPr lang="en-US"/>
           </a:p>
@@ -1145,7 +1145,7 @@
           <a:p>
             <a:fld id="{E0585733-0B8F-AE44-850E-C11BBC73B782}" type="datetimeFigureOut">
               <a:rPr lang="en-US" smtClean="0"/>
-              <a:t>1/17/21</a:t>
+              <a:t>1/18/21</a:t>
             </a:fld>
             <a:endParaRPr lang="en-US"/>
           </a:p>
@@ -1410,7 +1410,7 @@
           <a:p>
             <a:fld id="{E0585733-0B8F-AE44-850E-C11BBC73B782}" type="datetimeFigureOut">
               <a:rPr lang="en-US" smtClean="0"/>
-              <a:t>1/17/21</a:t>
+              <a:t>1/18/21</a:t>
             </a:fld>
             <a:endParaRPr lang="en-US"/>
           </a:p>
@@ -1822,7 +1822,7 @@
           <a:p>
             <a:fld id="{E0585733-0B8F-AE44-850E-C11BBC73B782}" type="datetimeFigureOut">
               <a:rPr lang="en-US" smtClean="0"/>
-              <a:t>1/17/21</a:t>
+              <a:t>1/18/21</a:t>
             </a:fld>
             <a:endParaRPr lang="en-US"/>
           </a:p>
@@ -1963,7 +1963,7 @@
           <a:p>
             <a:fld id="{E0585733-0B8F-AE44-850E-C11BBC73B782}" type="datetimeFigureOut">
               <a:rPr lang="en-US" smtClean="0"/>
-              <a:t>1/17/21</a:t>
+              <a:t>1/18/21</a:t>
             </a:fld>
             <a:endParaRPr lang="en-US"/>
           </a:p>
@@ -2076,7 +2076,7 @@
           <a:p>
             <a:fld id="{E0585733-0B8F-AE44-850E-C11BBC73B782}" type="datetimeFigureOut">
               <a:rPr lang="en-US" smtClean="0"/>
-              <a:t>1/17/21</a:t>
+              <a:t>1/18/21</a:t>
             </a:fld>
             <a:endParaRPr lang="en-US"/>
           </a:p>
@@ -2387,7 +2387,7 @@
           <a:p>
             <a:fld id="{E0585733-0B8F-AE44-850E-C11BBC73B782}" type="datetimeFigureOut">
               <a:rPr lang="en-US" smtClean="0"/>
-              <a:t>1/17/21</a:t>
+              <a:t>1/18/21</a:t>
             </a:fld>
             <a:endParaRPr lang="en-US"/>
           </a:p>
@@ -2675,7 +2675,7 @@
           <a:p>
             <a:fld id="{E0585733-0B8F-AE44-850E-C11BBC73B782}" type="datetimeFigureOut">
               <a:rPr lang="en-US" smtClean="0"/>
-              <a:t>1/17/21</a:t>
+              <a:t>1/18/21</a:t>
             </a:fld>
             <a:endParaRPr lang="en-US"/>
           </a:p>
@@ -2916,7 +2916,7 @@
           <a:p>
             <a:fld id="{E0585733-0B8F-AE44-850E-C11BBC73B782}" type="datetimeFigureOut">
               <a:rPr lang="en-US" smtClean="0"/>
-              <a:t>1/17/21</a:t>
+              <a:t>1/18/21</a:t>
             </a:fld>
             <a:endParaRPr lang="en-US"/>
           </a:p>
@@ -3618,8 +3618,8 @@
           <a:chExt cx="0" cy="0"/>
         </a:xfrm>
       </p:grpSpPr>
-      <mc:AlternateContent xmlns:mc="http://schemas.openxmlformats.org/markup-compatibility/2006">
-        <mc:Choice xmlns:a14="http://schemas.microsoft.com/office/drawing/2010/main" Requires="a14">
+      <mc:AlternateContent xmlns:mc="http://schemas.openxmlformats.org/markup-compatibility/2006" xmlns:a14="http://schemas.microsoft.com/office/drawing/2010/main">
+        <mc:Choice Requires="a14">
           <p:sp>
             <p:nvSpPr>
               <p:cNvPr id="2" name="Title 1">
@@ -3666,7 +3666,7 @@
             </p:txBody>
           </p:sp>
         </mc:Choice>
-        <mc:Fallback>
+        <mc:Fallback xmlns="">
           <p:sp>
             <p:nvSpPr>
               <p:cNvPr id="2" name="Title 1">
@@ -3706,8 +3706,8 @@
           </p:sp>
         </mc:Fallback>
       </mc:AlternateContent>
-      <mc:AlternateContent xmlns:mc="http://schemas.openxmlformats.org/markup-compatibility/2006">
-        <mc:Choice xmlns:a14="http://schemas.microsoft.com/office/drawing/2010/main" Requires="a14">
+      <mc:AlternateContent xmlns:mc="http://schemas.openxmlformats.org/markup-compatibility/2006" xmlns:a14="http://schemas.microsoft.com/office/drawing/2010/main">
+        <mc:Choice Requires="a14">
           <p:sp>
             <p:nvSpPr>
               <p:cNvPr id="3" name="Content Placeholder 2">
@@ -3909,7 +3909,7 @@
             </p:txBody>
           </p:sp>
         </mc:Choice>
-        <mc:Fallback>
+        <mc:Fallback xmlns="">
           <p:sp>
             <p:nvSpPr>
               <p:cNvPr id="3" name="Content Placeholder 2">
@@ -4007,8 +4007,8 @@
           </a:p>
         </p:txBody>
       </p:sp>
-      <mc:AlternateContent xmlns:mc="http://schemas.openxmlformats.org/markup-compatibility/2006">
-        <mc:Choice xmlns:a14="http://schemas.microsoft.com/office/drawing/2010/main" Requires="a14">
+      <mc:AlternateContent xmlns:mc="http://schemas.openxmlformats.org/markup-compatibility/2006" xmlns:a14="http://schemas.microsoft.com/office/drawing/2010/main">
+        <mc:Choice Requires="a14">
           <p:sp>
             <p:nvSpPr>
               <p:cNvPr id="3" name="Content Placeholder 2">
@@ -4061,7 +4061,7 @@
             </p:txBody>
           </p:sp>
         </mc:Choice>
-        <mc:Fallback>
+        <mc:Fallback xmlns="">
           <p:sp>
             <p:nvSpPr>
               <p:cNvPr id="3" name="Content Placeholder 2">
@@ -4159,8 +4159,8 @@
           </a:p>
         </p:txBody>
       </p:sp>
-      <mc:AlternateContent xmlns:mc="http://schemas.openxmlformats.org/markup-compatibility/2006">
-        <mc:Choice xmlns:a14="http://schemas.microsoft.com/office/drawing/2010/main" Requires="a14">
+      <mc:AlternateContent xmlns:mc="http://schemas.openxmlformats.org/markup-compatibility/2006" xmlns:a14="http://schemas.microsoft.com/office/drawing/2010/main">
+        <mc:Choice Requires="a14">
           <p:sp>
             <p:nvSpPr>
               <p:cNvPr id="3" name="Content Placeholder 2">
@@ -4270,7 +4270,7 @@
             </p:txBody>
           </p:sp>
         </mc:Choice>
-        <mc:Fallback>
+        <mc:Fallback xmlns="">
           <p:sp>
             <p:nvSpPr>
               <p:cNvPr id="3" name="Content Placeholder 2">
@@ -4481,8 +4481,8 @@
           </a:p>
         </p:txBody>
       </p:sp>
-      <mc:AlternateContent xmlns:mc="http://schemas.openxmlformats.org/markup-compatibility/2006">
-        <mc:Choice xmlns:a14="http://schemas.microsoft.com/office/drawing/2010/main" Requires="a14">
+      <mc:AlternateContent xmlns:mc="http://schemas.openxmlformats.org/markup-compatibility/2006" xmlns:a14="http://schemas.microsoft.com/office/drawing/2010/main">
+        <mc:Choice Requires="a14">
           <p:sp>
             <p:nvSpPr>
               <p:cNvPr id="4" name="Content Placeholder 3">
@@ -4549,7 +4549,7 @@
             </p:txBody>
           </p:sp>
         </mc:Choice>
-        <mc:Fallback>
+        <mc:Fallback xmlns="">
           <p:sp>
             <p:nvSpPr>
               <p:cNvPr id="4" name="Content Placeholder 3">
